--- a/Buffer Tree - Poster Presentation.pptx
+++ b/Buffer Tree - Poster Presentation.pptx
@@ -3468,7 +3468,7 @@
         <p:spPr>
           <a:xfrm>
             <a:off x="270769" y="1429872"/>
-            <a:ext cx="7688062" cy="1335687"/>
+            <a:ext cx="7688062" cy="1516249"/>
           </a:xfrm>
           <a:prstGeom prst="rect">
             <a:avLst/>
@@ -3481,7 +3481,7 @@
           </a:bodyPr>
           <a:lstStyle/>
           <a:p>
-            <a:pPr>
+            <a:pPr algn="just">
               <a:lnSpc>
                 <a:spcPct val="120000"/>
               </a:lnSpc>
@@ -3491,88 +3491,29 @@
                 <a:latin typeface="Arial" panose="020B0604020202020204" pitchFamily="34" charset="0"/>
                 <a:cs typeface="Arial" panose="020B0604020202020204" pitchFamily="34" charset="0"/>
               </a:rPr>
-              <a:t>Muhammad Sabihul Hasan</a:t>
-            </a:r>
-            <a:r>
-              <a:rPr lang="en-US" sz="1600" i="1" baseline="30000" dirty="0">
-                <a:latin typeface="Arial" panose="020B0604020202020204" pitchFamily="34" charset="0"/>
-                <a:cs typeface="Arial" panose="020B0604020202020204" pitchFamily="34" charset="0"/>
-              </a:rPr>
-              <a:t>1</a:t>
-            </a:r>
+              <a:t>Muhammad Sabihul Hasan, Agha Syed Nasir Mahmood Azeemi,</a:t>
+            </a:r>
+          </a:p>
+          <a:p>
+            <a:pPr algn="just">
+              <a:lnSpc>
+                <a:spcPct val="120000"/>
+              </a:lnSpc>
+            </a:pPr>
             <a:r>
               <a:rPr lang="en-US" sz="1500" i="1" dirty="0">
                 <a:latin typeface="Arial" panose="020B0604020202020204" pitchFamily="34" charset="0"/>
                 <a:cs typeface="Arial" panose="020B0604020202020204" pitchFamily="34" charset="0"/>
               </a:rPr>
-              <a:t>, Agha Syed Nasir Mahmood Azeemi</a:t>
-            </a:r>
-            <a:r>
-              <a:rPr lang="en-US" sz="1600" i="1" baseline="30000" dirty="0">
-                <a:latin typeface="Arial" panose="020B0604020202020204" pitchFamily="34" charset="0"/>
-                <a:cs typeface="Arial" panose="020B0604020202020204" pitchFamily="34" charset="0"/>
-              </a:rPr>
-              <a:t>2</a:t>
-            </a:r>
-            <a:r>
-              <a:rPr lang="en-US" sz="1500" i="1" dirty="0">
-                <a:latin typeface="Arial" panose="020B0604020202020204" pitchFamily="34" charset="0"/>
-                <a:cs typeface="Arial" panose="020B0604020202020204" pitchFamily="34" charset="0"/>
-              </a:rPr>
-              <a:t>,</a:t>
-            </a:r>
-          </a:p>
-          <a:p>
-            <a:pPr>
-              <a:lnSpc>
-                <a:spcPct val="120000"/>
-              </a:lnSpc>
-            </a:pPr>
-            <a:r>
-              <a:rPr lang="en-US" sz="1500" i="1" dirty="0">
-                <a:latin typeface="Arial" panose="020B0604020202020204" pitchFamily="34" charset="0"/>
-                <a:cs typeface="Arial" panose="020B0604020202020204" pitchFamily="34" charset="0"/>
-              </a:rPr>
-              <a:t>Salman Muhammad Younus</a:t>
-            </a:r>
-            <a:r>
-              <a:rPr lang="en-US" sz="1600" i="1" baseline="30000" dirty="0">
-                <a:latin typeface="Arial" panose="020B0604020202020204" pitchFamily="34" charset="0"/>
-                <a:cs typeface="Arial" panose="020B0604020202020204" pitchFamily="34" charset="0"/>
-              </a:rPr>
-              <a:t>3</a:t>
-            </a:r>
-            <a:r>
-              <a:rPr lang="en-US" sz="1500" i="1" dirty="0">
-                <a:latin typeface="Arial" panose="020B0604020202020204" pitchFamily="34" charset="0"/>
-                <a:cs typeface="Arial" panose="020B0604020202020204" pitchFamily="34" charset="0"/>
-              </a:rPr>
-              <a:t>, Syed Hammad Ali</a:t>
-            </a:r>
-            <a:r>
-              <a:rPr lang="en-US" sz="1600" i="1" baseline="30000" dirty="0">
-                <a:latin typeface="Arial" panose="020B0604020202020204" pitchFamily="34" charset="0"/>
-                <a:cs typeface="Arial" panose="020B0604020202020204" pitchFamily="34" charset="0"/>
-              </a:rPr>
-              <a:t>4</a:t>
-            </a:r>
-            <a:r>
-              <a:rPr lang="en-US" sz="1500" i="1" dirty="0">
-                <a:latin typeface="Arial" panose="020B0604020202020204" pitchFamily="34" charset="0"/>
-                <a:cs typeface="Arial" panose="020B0604020202020204" pitchFamily="34" charset="0"/>
-              </a:rPr>
-              <a:t>, Muhammad Faraz Ozair</a:t>
-            </a:r>
-            <a:r>
-              <a:rPr lang="en-US" sz="1600" i="1" baseline="30000" dirty="0">
-                <a:latin typeface="Arial" panose="020B0604020202020204" pitchFamily="34" charset="0"/>
-                <a:cs typeface="Arial" panose="020B0604020202020204" pitchFamily="34" charset="0"/>
-              </a:rPr>
-              <a:t>5</a:t>
-            </a:r>
-          </a:p>
-          <a:p>
-            <a:pPr>
+              <a:t>Salman Muhammad Younus, Syed Hammad Ali, Muhammad Faraz Ozair</a:t>
+            </a:r>
+            <a:endParaRPr lang="en-US" sz="1600" i="1" baseline="30000" dirty="0">
+              <a:latin typeface="Arial" panose="020B0604020202020204" pitchFamily="34" charset="0"/>
+              <a:cs typeface="Arial" panose="020B0604020202020204" pitchFamily="34" charset="0"/>
+            </a:endParaRPr>
+          </a:p>
+          <a:p>
+            <a:pPr algn="just">
               <a:lnSpc>
                 <a:spcPct val="120000"/>
               </a:lnSpc>
@@ -3583,16 +3524,31 @@
             </a:endParaRPr>
           </a:p>
           <a:p>
-            <a:pPr>
+            <a:pPr lvl="0" algn="just">
               <a:lnSpc>
                 <a:spcPct val="120000"/>
               </a:lnSpc>
-              <a:spcBef>
-                <a:spcPts val="600"/>
-              </a:spcBef>
-              <a:spcAft>
-                <a:spcPts val="600"/>
-              </a:spcAft>
+            </a:pPr>
+            <a:r>
+              <a:rPr lang="en-US" sz="2000" baseline="30000" dirty="0">
+                <a:solidFill>
+                  <a:prstClr val="black"/>
+                </a:solidFill>
+                <a:latin typeface="Arial" panose="020B0604020202020204" pitchFamily="34" charset="0"/>
+                <a:cs typeface="Arial" panose="020B0604020202020204" pitchFamily="34" charset="0"/>
+              </a:rPr>
+              <a:t>Department of Computer Science,</a:t>
+            </a:r>
+            <a:endParaRPr lang="en-US" sz="1500" i="1" dirty="0">
+              <a:latin typeface="Arial" panose="020B0604020202020204" pitchFamily="34" charset="0"/>
+              <a:cs typeface="Arial" panose="020B0604020202020204" pitchFamily="34" charset="0"/>
+            </a:endParaRPr>
+          </a:p>
+          <a:p>
+            <a:pPr algn="just">
+              <a:lnSpc>
+                <a:spcPct val="120000"/>
+              </a:lnSpc>
             </a:pPr>
             <a:r>
               <a:rPr lang="en-US" sz="2000" baseline="30000" dirty="0">
@@ -3601,10 +3557,6 @@
               </a:rPr>
               <a:t>Habib University</a:t>
             </a:r>
-            <a:endParaRPr lang="en-US" sz="2000" dirty="0">
-              <a:latin typeface="Arial" panose="020B0604020202020204" pitchFamily="34" charset="0"/>
-              <a:cs typeface="Arial" panose="020B0604020202020204" pitchFamily="34" charset="0"/>
-            </a:endParaRPr>
           </a:p>
         </p:txBody>
       </p:sp>
@@ -3757,7 +3709,7 @@
                 <a:latin typeface="Arial" panose="020B0604020202020204" pitchFamily="34" charset="0"/>
                 <a:cs typeface="Arial" panose="020B0604020202020204" pitchFamily="34" charset="0"/>
               </a:rPr>
-              <a:t>Previous work, challenge, and approach</a:t>
+              <a:t>Approach and </a:t>
             </a:r>
           </a:p>
         </p:txBody>
@@ -3777,7 +3729,7 @@
         <p:spPr>
           <a:xfrm>
             <a:off x="248575" y="787828"/>
-            <a:ext cx="4058882" cy="1384995"/>
+            <a:ext cx="4058882" cy="958980"/>
           </a:xfrm>
           <a:prstGeom prst="rect">
             <a:avLst/>
@@ -3790,49 +3742,42 @@
           </a:bodyPr>
           <a:lstStyle/>
           <a:p>
-            <a:r>
-              <a:rPr lang="en-US" sz="1400" dirty="0"/>
-              <a:t>Possible contents for slide</a:t>
-            </a:r>
-          </a:p>
-          <a:p>
             <a:pPr marL="285750" indent="-285750">
-              <a:buFont typeface="Arial" panose="020B0604020202020204" pitchFamily="34" charset="0"/>
-              <a:buChar char="•"/>
+              <a:lnSpc>
+                <a:spcPct val="120000"/>
+              </a:lnSpc>
+              <a:buFont typeface="Courier New" panose="02070309020205020404" pitchFamily="49" charset="0"/>
+              <a:buChar char="o"/>
             </a:pPr>
             <a:r>
-              <a:rPr lang="en-US" sz="1400" dirty="0"/>
-              <a:t>Clearly identify the challenge you are solving</a:t>
-            </a:r>
-          </a:p>
-          <a:p>
-            <a:pPr marL="651510" lvl="1" indent="-285750">
-              <a:buFont typeface="Arial" panose="020B0604020202020204" pitchFamily="34" charset="0"/>
-              <a:buChar char="•"/>
+              <a:rPr lang="en-US" sz="1600" dirty="0"/>
+              <a:t>Internal memory</a:t>
+            </a:r>
+          </a:p>
+          <a:p>
+            <a:pPr marL="285750" indent="-285750">
+              <a:lnSpc>
+                <a:spcPct val="120000"/>
+              </a:lnSpc>
+              <a:buFont typeface="Courier New" panose="02070309020205020404" pitchFamily="49" charset="0"/>
+              <a:buChar char="o"/>
             </a:pPr>
             <a:r>
-              <a:rPr lang="en-US" sz="1400" dirty="0"/>
-              <a:t>Explain previous work (put your research in context)</a:t>
-            </a:r>
-          </a:p>
-          <a:p>
-            <a:pPr marL="651510" lvl="1" indent="-285750">
-              <a:buFont typeface="Arial" panose="020B0604020202020204" pitchFamily="34" charset="0"/>
-              <a:buChar char="•"/>
+              <a:rPr lang="en-US" sz="1600" dirty="0"/>
+              <a:t>External memory</a:t>
+            </a:r>
+          </a:p>
+          <a:p>
+            <a:pPr marL="285750" indent="-285750">
+              <a:lnSpc>
+                <a:spcPct val="120000"/>
+              </a:lnSpc>
+              <a:buFont typeface="Courier New" panose="02070309020205020404" pitchFamily="49" charset="0"/>
+              <a:buChar char="o"/>
             </a:pPr>
             <a:r>
-              <a:rPr lang="en-US" sz="1400" dirty="0"/>
-              <a:t>Fundamental information or terms needed</a:t>
-            </a:r>
-          </a:p>
-          <a:p>
-            <a:pPr marL="285750" indent="-285750">
-              <a:buFont typeface="Arial" panose="020B0604020202020204" pitchFamily="34" charset="0"/>
-              <a:buChar char="•"/>
-            </a:pPr>
-            <a:r>
-              <a:rPr lang="en-US" sz="1400" dirty="0"/>
-              <a:t>Your strategy for overcoming the challenge</a:t>
+              <a:rPr lang="en-US" sz="1600" dirty="0"/>
+              <a:t>Buffers</a:t>
             </a:r>
           </a:p>
         </p:txBody>
@@ -4046,7 +3991,7 @@
         <p:spPr>
           <a:xfrm>
             <a:off x="326213" y="800252"/>
-            <a:ext cx="7688062" cy="2726900"/>
+            <a:ext cx="7688062" cy="1409617"/>
           </a:xfrm>
           <a:prstGeom prst="rect">
             <a:avLst/>
@@ -4059,13 +4004,14 @@
           </a:bodyPr>
           <a:lstStyle/>
           <a:p>
-            <a:r>
-              <a:rPr lang="en-US" sz="1400" dirty="0"/>
+            <a:pPr algn="just"/>
+            <a:r>
+              <a:rPr lang="en-US" sz="1400" b="1" dirty="0"/>
               <a:t>Operations:</a:t>
             </a:r>
           </a:p>
           <a:p>
-            <a:pPr marL="285750" indent="-285750">
+            <a:pPr marL="285750" indent="-285750" algn="just">
               <a:buFont typeface="Courier New" panose="02070309020205020404" pitchFamily="49" charset="0"/>
               <a:buChar char="o"/>
             </a:pPr>
@@ -4091,7 +4037,7 @@
             </a:r>
           </a:p>
           <a:p>
-            <a:pPr marL="285750" indent="-285750">
+            <a:pPr marL="285750" indent="-285750" algn="just">
               <a:buFont typeface="Courier New" panose="02070309020205020404" pitchFamily="49" charset="0"/>
               <a:buChar char="o"/>
             </a:pPr>
@@ -4113,7 +4059,7 @@
             </a:r>
           </a:p>
           <a:p>
-            <a:pPr marL="285750" indent="-285750">
+            <a:pPr marL="285750" indent="-285750" algn="just">
               <a:buFont typeface="Courier New" panose="02070309020205020404" pitchFamily="49" charset="0"/>
               <a:buChar char="o"/>
             </a:pPr>
@@ -4123,7 +4069,7 @@
             </a:r>
           </a:p>
           <a:p>
-            <a:pPr marL="285750" indent="-285750">
+            <a:pPr marL="285750" indent="-285750" algn="just">
               <a:buFont typeface="Courier New" panose="02070309020205020404" pitchFamily="49" charset="0"/>
               <a:buChar char="o"/>
             </a:pPr>
@@ -4145,7 +4091,7 @@
             </a:r>
           </a:p>
           <a:p>
-            <a:pPr marL="285750" indent="-285750">
+            <a:pPr marL="285750" indent="-285750" algn="just">
               <a:buFont typeface="Courier New" panose="02070309020205020404" pitchFamily="49" charset="0"/>
               <a:buChar char="o"/>
             </a:pPr>
@@ -4165,43 +4111,6 @@
               <a:rPr lang="en-US" dirty="0"/>
               <a:t>)</a:t>
             </a:r>
-          </a:p>
-          <a:p>
-            <a:pPr marL="285750" indent="-285750">
-              <a:buFont typeface="Courier New" panose="02070309020205020404" pitchFamily="49" charset="0"/>
-              <a:buChar char="o"/>
-            </a:pPr>
-            <a:endParaRPr lang="en-US" dirty="0"/>
-          </a:p>
-          <a:p>
-            <a:r>
-              <a:rPr lang="en-US" dirty="0"/>
-              <a:t>Time Complexity</a:t>
-            </a:r>
-          </a:p>
-          <a:p>
-            <a:endParaRPr lang="en-US" dirty="0"/>
-          </a:p>
-          <a:p>
-            <a:pPr marL="285750" indent="-285750">
-              <a:buFont typeface="Arial" panose="020B0604020202020204" pitchFamily="34" charset="0"/>
-              <a:buChar char="•"/>
-            </a:pPr>
-            <a:endParaRPr lang="en-US" dirty="0"/>
-          </a:p>
-          <a:p>
-            <a:pPr marL="285750" indent="-285750">
-              <a:buFont typeface="Arial" panose="020B0604020202020204" pitchFamily="34" charset="0"/>
-              <a:buChar char="•"/>
-            </a:pPr>
-            <a:endParaRPr lang="en-US" sz="1400" dirty="0"/>
-          </a:p>
-          <a:p>
-            <a:pPr marL="285750" indent="-285750">
-              <a:buFont typeface="Arial" panose="020B0604020202020204" pitchFamily="34" charset="0"/>
-              <a:buChar char="•"/>
-            </a:pPr>
-            <a:endParaRPr lang="en-US" sz="1400" dirty="0"/>
           </a:p>
         </p:txBody>
       </p:sp>

--- a/Buffer Tree - Poster Presentation.pptx
+++ b/Buffer Tree - Poster Presentation.pptx
@@ -3690,8 +3690,8 @@
         </p:nvSpPr>
         <p:spPr>
           <a:xfrm>
-            <a:off x="248575" y="177557"/>
-            <a:ext cx="7688062" cy="461665"/>
+            <a:off x="457200" y="173711"/>
+            <a:ext cx="7315200" cy="461665"/>
           </a:xfrm>
           <a:prstGeom prst="rect">
             <a:avLst/>
@@ -3704,12 +3704,20 @@
           </a:bodyPr>
           <a:lstStyle/>
           <a:p>
-            <a:r>
-              <a:rPr lang="en-US" sz="2400" dirty="0">
+            <a:pPr algn="ctr"/>
+            <a:r>
+              <a:rPr lang="en-US" sz="2400" b="1" dirty="0">
+                <a:effectLst>
+                  <a:outerShdw blurRad="38100" dist="38100" dir="2700000" algn="tl">
+                    <a:srgbClr val="000000">
+                      <a:alpha val="43137"/>
+                    </a:srgbClr>
+                  </a:outerShdw>
+                </a:effectLst>
                 <a:latin typeface="Arial" panose="020B0604020202020204" pitchFamily="34" charset="0"/>
                 <a:cs typeface="Arial" panose="020B0604020202020204" pitchFamily="34" charset="0"/>
               </a:rPr>
-              <a:t>Approach and </a:t>
+              <a:t>Initial Design / Approach</a:t>
             </a:r>
           </a:p>
         </p:txBody>
@@ -3729,7 +3737,7 @@
         <p:spPr>
           <a:xfrm>
             <a:off x="248575" y="787828"/>
-            <a:ext cx="4058882" cy="958980"/>
+            <a:ext cx="4058882" cy="1254446"/>
           </a:xfrm>
           <a:prstGeom prst="rect">
             <a:avLst/>
@@ -3779,6 +3787,14 @@
               <a:rPr lang="en-US" sz="1600" dirty="0"/>
               <a:t>Buffers</a:t>
             </a:r>
+          </a:p>
+          <a:p>
+            <a:pPr>
+              <a:lnSpc>
+                <a:spcPct val="120000"/>
+              </a:lnSpc>
+            </a:pPr>
+            <a:endParaRPr lang="en-US" sz="1600" dirty="0"/>
           </a:p>
         </p:txBody>
       </p:sp>
@@ -3854,8 +3870,8 @@
         </p:blipFill>
         <p:spPr>
           <a:xfrm>
-            <a:off x="4428226" y="939569"/>
-            <a:ext cx="3454441" cy="2385422"/>
+            <a:off x="3763266" y="939568"/>
+            <a:ext cx="4119402" cy="2844603"/>
           </a:xfrm>
           <a:prstGeom prst="rect">
             <a:avLst/>
@@ -3952,8 +3968,8 @@
         </p:nvSpPr>
         <p:spPr>
           <a:xfrm>
-            <a:off x="1574335" y="138495"/>
-            <a:ext cx="5036542" cy="461665"/>
+            <a:off x="1574334" y="138495"/>
+            <a:ext cx="5379621" cy="461665"/>
           </a:xfrm>
           <a:prstGeom prst="rect">
             <a:avLst/>
@@ -3967,7 +3983,14 @@
           <a:lstStyle/>
           <a:p>
             <a:r>
-              <a:rPr lang="en-US" sz="2400" dirty="0">
+              <a:rPr lang="en-US" sz="2400" b="1" dirty="0">
+                <a:effectLst>
+                  <a:outerShdw blurRad="38100" dist="38100" dir="2700000" algn="tl">
+                    <a:srgbClr val="000000">
+                      <a:alpha val="43137"/>
+                    </a:srgbClr>
+                  </a:outerShdw>
+                </a:effectLst>
                 <a:latin typeface="Arial" panose="020B0604020202020204" pitchFamily="34" charset="0"/>
                 <a:cs typeface="Arial" panose="020B0604020202020204" pitchFamily="34" charset="0"/>
               </a:rPr>
@@ -3991,7 +4014,7 @@
         <p:spPr>
           <a:xfrm>
             <a:off x="326213" y="800252"/>
-            <a:ext cx="7688062" cy="1409617"/>
+            <a:ext cx="7688062" cy="1686616"/>
           </a:xfrm>
           <a:prstGeom prst="rect">
             <a:avLst/>
@@ -4006,9 +4029,13 @@
           <a:p>
             <a:pPr algn="just"/>
             <a:r>
-              <a:rPr lang="en-US" sz="1400" b="1" dirty="0"/>
+              <a:rPr lang="en-US" sz="1800" b="1" dirty="0"/>
               <a:t>Operations:</a:t>
             </a:r>
+          </a:p>
+          <a:p>
+            <a:pPr algn="just"/>
+            <a:endParaRPr lang="en-US" sz="1400" b="1" dirty="0"/>
           </a:p>
           <a:p>
             <a:pPr marL="285750" indent="-285750" algn="just">
@@ -4222,8 +4249,8 @@
         </p:blipFill>
         <p:spPr>
           <a:xfrm>
-            <a:off x="3958111" y="2332946"/>
-            <a:ext cx="4110464" cy="1473908"/>
+            <a:off x="3203103" y="2169128"/>
+            <a:ext cx="4481650" cy="1607006"/>
           </a:xfrm>
           <a:prstGeom prst="rect">
             <a:avLst/>
@@ -4288,12 +4315,20 @@
           </a:bodyPr>
           <a:lstStyle/>
           <a:p>
-            <a:r>
-              <a:rPr lang="en-US" sz="2400" dirty="0">
+            <a:pPr algn="ctr"/>
+            <a:r>
+              <a:rPr lang="en-US" sz="2400" b="1" dirty="0">
+                <a:effectLst>
+                  <a:outerShdw blurRad="38100" dist="38100" dir="2700000" algn="tl">
+                    <a:srgbClr val="000000">
+                      <a:alpha val="43137"/>
+                    </a:srgbClr>
+                  </a:outerShdw>
+                </a:effectLst>
                 <a:latin typeface="Arial" panose="020B0604020202020204" pitchFamily="34" charset="0"/>
                 <a:cs typeface="Arial" panose="020B0604020202020204" pitchFamily="34" charset="0"/>
               </a:rPr>
-              <a:t>Results and Conclusions</a:t>
+              <a:t>Application</a:t>
             </a:r>
           </a:p>
         </p:txBody>
@@ -4313,7 +4348,7 @@
         <p:spPr>
           <a:xfrm>
             <a:off x="248575" y="787828"/>
-            <a:ext cx="7688062" cy="954107"/>
+            <a:ext cx="7688062" cy="738664"/>
           </a:xfrm>
           <a:prstGeom prst="rect">
             <a:avLst/>
@@ -4327,35 +4362,14 @@
           <a:lstStyle/>
           <a:p>
             <a:r>
-              <a:rPr lang="en-US" sz="1400" dirty="0"/>
-              <a:t>Possible contents for slide</a:t>
-            </a:r>
-          </a:p>
-          <a:p>
-            <a:pPr marL="285750" indent="-285750">
-              <a:buFont typeface="Arial" panose="020B0604020202020204" pitchFamily="34" charset="0"/>
-              <a:buChar char="•"/>
-            </a:pPr>
-            <a:r>
-              <a:rPr lang="en-US" sz="1400" dirty="0"/>
-              <a:t>Primary experimental data proving hypothesis</a:t>
-            </a:r>
-          </a:p>
-          <a:p>
-            <a:pPr marL="285750" indent="-285750">
-              <a:buFont typeface="Arial" panose="020B0604020202020204" pitchFamily="34" charset="0"/>
-              <a:buChar char="•"/>
-            </a:pPr>
-            <a:r>
-              <a:rPr lang="en-US" sz="1400" dirty="0"/>
-              <a:t>Key take-home message</a:t>
-            </a:r>
-          </a:p>
-          <a:p>
-            <a:pPr marL="285750" indent="-285750">
-              <a:buFont typeface="Arial" panose="020B0604020202020204" pitchFamily="34" charset="0"/>
-              <a:buChar char="•"/>
-            </a:pPr>
+              <a:rPr lang="en-US" sz="1400" b="1" dirty="0"/>
+              <a:t>Orthogonal Line segment intersection</a:t>
+            </a:r>
+          </a:p>
+          <a:p>
+            <a:endParaRPr lang="en-US" sz="1400" dirty="0"/>
+          </a:p>
+          <a:p>
             <a:endParaRPr lang="en-US" sz="1400" dirty="0"/>
           </a:p>
         </p:txBody>

--- a/Buffer Tree - Poster Presentation.pptx
+++ b/Buffer Tree - Poster Presentation.pptx
@@ -3437,12 +3437,18 @@
           <a:lstStyle/>
           <a:p>
             <a:r>
-              <a:rPr lang="en-US" sz="3600" dirty="0">
+              <a:rPr lang="en-US" sz="3600" b="1" dirty="0">
+                <a:ln w="9525">
+                  <a:solidFill>
+                    <a:schemeClr val="bg1"/>
+                  </a:solidFill>
+                  <a:prstDash val="solid"/>
+                </a:ln>
                 <a:effectLst>
-                  <a:outerShdw blurRad="38100" dist="38100" dir="2700000" algn="tl">
-                    <a:srgbClr val="000000">
-                      <a:alpha val="43137"/>
-                    </a:srgbClr>
+                  <a:outerShdw blurRad="12700" dist="38100" dir="2700000" algn="tl" rotWithShape="0">
+                    <a:schemeClr val="bg1">
+                      <a:lumMod val="50000"/>
+                    </a:schemeClr>
                   </a:outerShdw>
                 </a:effectLst>
                 <a:latin typeface="Arial" panose="020B0604020202020204" pitchFamily="34" charset="0"/>
@@ -3488,6 +3494,14 @@
             </a:pPr>
             <a:r>
               <a:rPr lang="en-US" sz="1500" i="1" dirty="0">
+                <a:ln w="0"/>
+                <a:effectLst>
+                  <a:outerShdw blurRad="38100" dist="19050" dir="2700000" algn="tl" rotWithShape="0">
+                    <a:schemeClr val="dk1">
+                      <a:alpha val="40000"/>
+                    </a:schemeClr>
+                  </a:outerShdw>
+                </a:effectLst>
                 <a:latin typeface="Arial" panose="020B0604020202020204" pitchFamily="34" charset="0"/>
                 <a:cs typeface="Arial" panose="020B0604020202020204" pitchFamily="34" charset="0"/>
               </a:rPr>
@@ -3502,12 +3516,28 @@
             </a:pPr>
             <a:r>
               <a:rPr lang="en-US" sz="1500" i="1" dirty="0">
+                <a:ln w="0"/>
+                <a:effectLst>
+                  <a:outerShdw blurRad="38100" dist="19050" dir="2700000" algn="tl" rotWithShape="0">
+                    <a:schemeClr val="dk1">
+                      <a:alpha val="40000"/>
+                    </a:schemeClr>
+                  </a:outerShdw>
+                </a:effectLst>
                 <a:latin typeface="Arial" panose="020B0604020202020204" pitchFamily="34" charset="0"/>
                 <a:cs typeface="Arial" panose="020B0604020202020204" pitchFamily="34" charset="0"/>
               </a:rPr>
               <a:t>Salman Muhammad Younus, Syed Hammad Ali, Muhammad Faraz Ozair</a:t>
             </a:r>
             <a:endParaRPr lang="en-US" sz="1600" i="1" baseline="30000" dirty="0">
+              <a:ln w="0"/>
+              <a:effectLst>
+                <a:outerShdw blurRad="38100" dist="19050" dir="2700000" algn="tl" rotWithShape="0">
+                  <a:schemeClr val="dk1">
+                    <a:alpha val="40000"/>
+                  </a:schemeClr>
+                </a:outerShdw>
+              </a:effectLst>
               <a:latin typeface="Arial" panose="020B0604020202020204" pitchFamily="34" charset="0"/>
               <a:cs typeface="Arial" panose="020B0604020202020204" pitchFamily="34" charset="0"/>
             </a:endParaRPr>
@@ -3519,6 +3549,14 @@
               </a:lnSpc>
             </a:pPr>
             <a:endParaRPr lang="en-US" sz="1500" i="1" dirty="0">
+              <a:ln w="0"/>
+              <a:effectLst>
+                <a:outerShdw blurRad="38100" dist="19050" dir="2700000" algn="tl" rotWithShape="0">
+                  <a:schemeClr val="dk1">
+                    <a:alpha val="40000"/>
+                  </a:schemeClr>
+                </a:outerShdw>
+              </a:effectLst>
               <a:latin typeface="Arial" panose="020B0604020202020204" pitchFamily="34" charset="0"/>
               <a:cs typeface="Arial" panose="020B0604020202020204" pitchFamily="34" charset="0"/>
             </a:endParaRPr>
@@ -3531,15 +3569,28 @@
             </a:pPr>
             <a:r>
               <a:rPr lang="en-US" sz="2000" baseline="30000" dirty="0">
-                <a:solidFill>
-                  <a:prstClr val="black"/>
-                </a:solidFill>
+                <a:ln w="0"/>
+                <a:effectLst>
+                  <a:outerShdw blurRad="38100" dist="19050" dir="2700000" algn="tl" rotWithShape="0">
+                    <a:schemeClr val="dk1">
+                      <a:alpha val="40000"/>
+                    </a:schemeClr>
+                  </a:outerShdw>
+                </a:effectLst>
                 <a:latin typeface="Arial" panose="020B0604020202020204" pitchFamily="34" charset="0"/>
                 <a:cs typeface="Arial" panose="020B0604020202020204" pitchFamily="34" charset="0"/>
               </a:rPr>
               <a:t>Department of Computer Science,</a:t>
             </a:r>
             <a:endParaRPr lang="en-US" sz="1500" i="1" dirty="0">
+              <a:ln w="0"/>
+              <a:effectLst>
+                <a:outerShdw blurRad="38100" dist="19050" dir="2700000" algn="tl" rotWithShape="0">
+                  <a:schemeClr val="dk1">
+                    <a:alpha val="40000"/>
+                  </a:schemeClr>
+                </a:outerShdw>
+              </a:effectLst>
               <a:latin typeface="Arial" panose="020B0604020202020204" pitchFamily="34" charset="0"/>
               <a:cs typeface="Arial" panose="020B0604020202020204" pitchFamily="34" charset="0"/>
             </a:endParaRPr>
@@ -3552,11 +3603,23 @@
             </a:pPr>
             <a:r>
               <a:rPr lang="en-US" sz="2000" baseline="30000" dirty="0">
+                <a:ln w="0"/>
+                <a:effectLst>
+                  <a:outerShdw blurRad="38100" dist="19050" dir="2700000" algn="tl" rotWithShape="0">
+                    <a:schemeClr val="dk1">
+                      <a:alpha val="40000"/>
+                    </a:schemeClr>
+                  </a:outerShdw>
+                </a:effectLst>
                 <a:latin typeface="Arial" panose="020B0604020202020204" pitchFamily="34" charset="0"/>
                 <a:cs typeface="Arial" panose="020B0604020202020204" pitchFamily="34" charset="0"/>
               </a:rPr>
               <a:t>Habib University</a:t>
             </a:r>
+            <a:endParaRPr lang="en-US" sz="2000" b="1" baseline="30000" dirty="0">
+              <a:latin typeface="Arial" panose="020B0604020202020204" pitchFamily="34" charset="0"/>
+              <a:cs typeface="Arial" panose="020B0604020202020204" pitchFamily="34" charset="0"/>
+            </a:endParaRPr>
           </a:p>
         </p:txBody>
       </p:sp>
@@ -3690,14 +3753,27 @@
         </p:nvSpPr>
         <p:spPr>
           <a:xfrm>
-            <a:off x="457200" y="173711"/>
-            <a:ext cx="7315200" cy="461665"/>
+            <a:off x="2209800" y="148553"/>
+            <a:ext cx="3810000" cy="461665"/>
           </a:xfrm>
           <a:prstGeom prst="rect">
             <a:avLst/>
           </a:prstGeom>
-          <a:noFill/>
-        </p:spPr>
+        </p:spPr>
+        <p:style>
+          <a:lnRef idx="0">
+            <a:schemeClr val="accent5"/>
+          </a:lnRef>
+          <a:fillRef idx="3">
+            <a:schemeClr val="accent5"/>
+          </a:fillRef>
+          <a:effectRef idx="3">
+            <a:schemeClr val="accent5"/>
+          </a:effectRef>
+          <a:fontRef idx="minor">
+            <a:schemeClr val="lt1"/>
+          </a:fontRef>
+        </p:style>
         <p:txBody>
           <a:bodyPr wrap="square" rtlCol="0">
             <a:spAutoFit/>
@@ -3736,65 +3812,48 @@
         </p:nvSpPr>
         <p:spPr>
           <a:xfrm>
-            <a:off x="248575" y="787828"/>
-            <a:ext cx="4058882" cy="1254446"/>
+            <a:off x="6011332" y="935434"/>
+            <a:ext cx="1676401" cy="368049"/>
           </a:xfrm>
           <a:prstGeom prst="rect">
             <a:avLst/>
           </a:prstGeom>
-          <a:noFill/>
-        </p:spPr>
+          <a:solidFill>
+            <a:schemeClr val="accent5"/>
+          </a:solidFill>
+          <a:ln>
+            <a:noFill/>
+          </a:ln>
+        </p:spPr>
+        <p:style>
+          <a:lnRef idx="0">
+            <a:scrgbClr r="0" g="0" b="0"/>
+          </a:lnRef>
+          <a:fillRef idx="0">
+            <a:scrgbClr r="0" g="0" b="0"/>
+          </a:fillRef>
+          <a:effectRef idx="0">
+            <a:scrgbClr r="0" g="0" b="0"/>
+          </a:effectRef>
+          <a:fontRef idx="minor">
+            <a:schemeClr val="lt1"/>
+          </a:fontRef>
+        </p:style>
         <p:txBody>
           <a:bodyPr wrap="square" rtlCol="0">
             <a:spAutoFit/>
           </a:bodyPr>
           <a:lstStyle/>
           <a:p>
-            <a:pPr marL="285750" indent="-285750">
-              <a:lnSpc>
-                <a:spcPct val="120000"/>
-              </a:lnSpc>
-              <a:buFont typeface="Courier New" panose="02070309020205020404" pitchFamily="49" charset="0"/>
-              <a:buChar char="o"/>
-            </a:pPr>
-            <a:r>
-              <a:rPr lang="en-US" sz="1600" dirty="0"/>
-              <a:t>Internal memory</a:t>
-            </a:r>
-          </a:p>
-          <a:p>
-            <a:pPr marL="285750" indent="-285750">
-              <a:lnSpc>
-                <a:spcPct val="120000"/>
-              </a:lnSpc>
-              <a:buFont typeface="Courier New" panose="02070309020205020404" pitchFamily="49" charset="0"/>
-              <a:buChar char="o"/>
-            </a:pPr>
-            <a:r>
-              <a:rPr lang="en-US" sz="1600" dirty="0"/>
-              <a:t>External memory</a:t>
-            </a:r>
-          </a:p>
-          <a:p>
-            <a:pPr marL="285750" indent="-285750">
-              <a:lnSpc>
-                <a:spcPct val="120000"/>
-              </a:lnSpc>
-              <a:buFont typeface="Courier New" panose="02070309020205020404" pitchFamily="49" charset="0"/>
-              <a:buChar char="o"/>
-            </a:pPr>
-            <a:r>
-              <a:rPr lang="en-US" sz="1600" dirty="0"/>
-              <a:t>Buffers</a:t>
-            </a:r>
-          </a:p>
-          <a:p>
-            <a:pPr>
+            <a:pPr algn="ctr">
               <a:lnSpc>
                 <a:spcPct val="120000"/>
               </a:lnSpc>
             </a:pPr>
-            <a:endParaRPr lang="en-US" sz="1600" dirty="0"/>
+            <a:r>
+              <a:rPr lang="en-US" sz="1600" dirty="0"/>
+              <a:t>External memory</a:t>
+            </a:r>
           </a:p>
         </p:txBody>
       </p:sp>
@@ -3870,7 +3929,7 @@
         </p:blipFill>
         <p:spPr>
           <a:xfrm>
-            <a:off x="3763266" y="939568"/>
+            <a:off x="2000065" y="889920"/>
             <a:ext cx="4119402" cy="2844603"/>
           </a:xfrm>
           <a:prstGeom prst="rect">
@@ -3920,6 +3979,124 @@
                 <a:cs typeface="Arial" panose="020B0604020202020204" pitchFamily="34" charset="0"/>
               </a:rPr>
               <a:t>2</a:t>
+            </a:r>
+          </a:p>
+        </p:txBody>
+      </p:sp>
+      <p:sp>
+        <p:nvSpPr>
+          <p:cNvPr id="7" name="TextBox 6">
+            <a:extLst>
+              <a:ext uri="{FF2B5EF4-FFF2-40B4-BE49-F238E27FC236}">
+                <a16:creationId xmlns:a16="http://schemas.microsoft.com/office/drawing/2014/main" id="{6DEF3D8C-BACA-4541-83D9-6EB93216B135}"/>
+              </a:ext>
+            </a:extLst>
+          </p:cNvPr>
+          <p:cNvSpPr txBox="1"/>
+          <p:nvPr/>
+        </p:nvSpPr>
+        <p:spPr>
+          <a:xfrm>
+            <a:off x="778934" y="2031908"/>
+            <a:ext cx="852311" cy="368049"/>
+          </a:xfrm>
+          <a:prstGeom prst="rect">
+            <a:avLst/>
+          </a:prstGeom>
+          <a:solidFill>
+            <a:schemeClr val="accent5"/>
+          </a:solidFill>
+          <a:ln>
+            <a:noFill/>
+          </a:ln>
+        </p:spPr>
+        <p:style>
+          <a:lnRef idx="0">
+            <a:scrgbClr r="0" g="0" b="0"/>
+          </a:lnRef>
+          <a:fillRef idx="0">
+            <a:scrgbClr r="0" g="0" b="0"/>
+          </a:fillRef>
+          <a:effectRef idx="0">
+            <a:scrgbClr r="0" g="0" b="0"/>
+          </a:effectRef>
+          <a:fontRef idx="minor">
+            <a:schemeClr val="lt1"/>
+          </a:fontRef>
+        </p:style>
+        <p:txBody>
+          <a:bodyPr wrap="square" rtlCol="0">
+            <a:spAutoFit/>
+          </a:bodyPr>
+          <a:lstStyle/>
+          <a:p>
+            <a:pPr algn="ctr">
+              <a:lnSpc>
+                <a:spcPct val="120000"/>
+              </a:lnSpc>
+            </a:pPr>
+            <a:r>
+              <a:rPr lang="en-US" sz="1600" dirty="0"/>
+              <a:t>Buffers</a:t>
+            </a:r>
+          </a:p>
+        </p:txBody>
+      </p:sp>
+      <p:sp>
+        <p:nvSpPr>
+          <p:cNvPr id="8" name="TextBox 7">
+            <a:extLst>
+              <a:ext uri="{FF2B5EF4-FFF2-40B4-BE49-F238E27FC236}">
+                <a16:creationId xmlns:a16="http://schemas.microsoft.com/office/drawing/2014/main" id="{D01EBC99-8DEB-478E-B9D4-5E78B054A196}"/>
+              </a:ext>
+            </a:extLst>
+          </p:cNvPr>
+          <p:cNvSpPr txBox="1"/>
+          <p:nvPr/>
+        </p:nvSpPr>
+        <p:spPr>
+          <a:xfrm>
+            <a:off x="510822" y="1080947"/>
+            <a:ext cx="1597378" cy="368049"/>
+          </a:xfrm>
+          <a:prstGeom prst="rect">
+            <a:avLst/>
+          </a:prstGeom>
+          <a:solidFill>
+            <a:schemeClr val="accent5"/>
+          </a:solidFill>
+          <a:ln>
+            <a:noFill/>
+          </a:ln>
+        </p:spPr>
+        <p:style>
+          <a:lnRef idx="0">
+            <a:scrgbClr r="0" g="0" b="0"/>
+          </a:lnRef>
+          <a:fillRef idx="0">
+            <a:scrgbClr r="0" g="0" b="0"/>
+          </a:fillRef>
+          <a:effectRef idx="0">
+            <a:scrgbClr r="0" g="0" b="0"/>
+          </a:effectRef>
+          <a:fontRef idx="minor">
+            <a:schemeClr val="lt1"/>
+          </a:fontRef>
+        </p:style>
+        <p:txBody>
+          <a:bodyPr wrap="square" rtlCol="0">
+            <a:spAutoFit/>
+          </a:bodyPr>
+          <a:lstStyle/>
+          <a:p>
+            <a:pPr algn="ctr">
+              <a:lnSpc>
+                <a:spcPct val="120000"/>
+              </a:lnSpc>
+            </a:pPr>
+            <a:r>
+              <a:rPr lang="en-US" sz="1600" dirty="0"/>
+              <a:t>Internal memory</a:t>
             </a:r>
           </a:p>
         </p:txBody>
@@ -3974,8 +4151,21 @@
           <a:prstGeom prst="rect">
             <a:avLst/>
           </a:prstGeom>
-          <a:noFill/>
-        </p:spPr>
+        </p:spPr>
+        <p:style>
+          <a:lnRef idx="0">
+            <a:schemeClr val="accent5"/>
+          </a:lnRef>
+          <a:fillRef idx="3">
+            <a:schemeClr val="accent5"/>
+          </a:fillRef>
+          <a:effectRef idx="3">
+            <a:schemeClr val="accent5"/>
+          </a:effectRef>
+          <a:fontRef idx="minor">
+            <a:schemeClr val="lt1"/>
+          </a:fontRef>
+        </p:style>
         <p:txBody>
           <a:bodyPr wrap="square" rtlCol="0">
             <a:spAutoFit/>
@@ -4013,8 +4203,8 @@
         </p:nvSpPr>
         <p:spPr>
           <a:xfrm>
-            <a:off x="326213" y="800252"/>
-            <a:ext cx="7688062" cy="1686616"/>
+            <a:off x="326213" y="1299258"/>
+            <a:ext cx="4178054" cy="1852815"/>
           </a:xfrm>
           <a:prstGeom prst="rect">
             <a:avLst/>
@@ -4027,17 +4217,6 @@
           </a:bodyPr>
           <a:lstStyle/>
           <a:p>
-            <a:pPr algn="just"/>
-            <a:r>
-              <a:rPr lang="en-US" sz="1800" b="1" dirty="0"/>
-              <a:t>Operations:</a:t>
-            </a:r>
-          </a:p>
-          <a:p>
-            <a:pPr algn="just"/>
-            <a:endParaRPr lang="en-US" sz="1400" b="1" dirty="0"/>
-          </a:p>
-          <a:p>
             <a:pPr marL="285750" indent="-285750" algn="just">
               <a:buFont typeface="Courier New" panose="02070309020205020404" pitchFamily="49" charset="0"/>
               <a:buChar char="o"/>
@@ -4064,6 +4243,10 @@
             </a:r>
           </a:p>
           <a:p>
+            <a:pPr algn="just"/>
+            <a:endParaRPr lang="en-US" sz="1400" dirty="0"/>
+          </a:p>
+          <a:p>
             <a:pPr marL="285750" indent="-285750" algn="just">
               <a:buFont typeface="Courier New" panose="02070309020205020404" pitchFamily="49" charset="0"/>
               <a:buChar char="o"/>
@@ -4086,21 +4269,22 @@
             </a:r>
           </a:p>
           <a:p>
+            <a:pPr algn="just"/>
+            <a:r>
+              <a:rPr lang="en-US" i="1" dirty="0"/>
+              <a:t>	where operation = [insert, delete, search]</a:t>
+            </a:r>
+          </a:p>
+          <a:p>
+            <a:pPr algn="just"/>
+            <a:endParaRPr lang="en-US" i="1" dirty="0"/>
+          </a:p>
+          <a:p>
             <a:pPr marL="285750" indent="-285750" algn="just">
               <a:buFont typeface="Courier New" panose="02070309020205020404" pitchFamily="49" charset="0"/>
               <a:buChar char="o"/>
             </a:pPr>
             <a:r>
-              <a:rPr lang="en-US" i="1" dirty="0"/>
-              <a:t>where operation = [insert, delete, search]</a:t>
-            </a:r>
-          </a:p>
-          <a:p>
-            <a:pPr marL="285750" indent="-285750" algn="just">
-              <a:buFont typeface="Courier New" panose="02070309020205020404" pitchFamily="49" charset="0"/>
-              <a:buChar char="o"/>
-            </a:pPr>
-            <a:r>
               <a:rPr lang="en-US" dirty="0" err="1"/>
               <a:t>Tree.print_tree</a:t>
             </a:r>
@@ -4116,6 +4300,10 @@
               <a:rPr lang="en-US" dirty="0"/>
               <a:t>)</a:t>
             </a:r>
+          </a:p>
+          <a:p>
+            <a:pPr algn="just"/>
+            <a:endParaRPr lang="en-US" dirty="0"/>
           </a:p>
           <a:p>
             <a:pPr marL="285750" indent="-285750" algn="just">
@@ -4249,7 +4437,7 @@
         </p:blipFill>
         <p:spPr>
           <a:xfrm>
-            <a:off x="3203103" y="2169128"/>
+            <a:off x="3370937" y="2348570"/>
             <a:ext cx="4481650" cy="1607006"/>
           </a:xfrm>
           <a:prstGeom prst="rect">
@@ -4257,6 +4445,61 @@
           </a:prstGeom>
         </p:spPr>
       </p:pic>
+      <p:sp>
+        <p:nvSpPr>
+          <p:cNvPr id="9" name="TextBox 8">
+            <a:extLst>
+              <a:ext uri="{FF2B5EF4-FFF2-40B4-BE49-F238E27FC236}">
+                <a16:creationId xmlns:a16="http://schemas.microsoft.com/office/drawing/2014/main" id="{A04E4906-64FF-411F-A36B-E09739079DEB}"/>
+              </a:ext>
+            </a:extLst>
+          </p:cNvPr>
+          <p:cNvSpPr txBox="1"/>
+          <p:nvPr/>
+        </p:nvSpPr>
+        <p:spPr>
+          <a:xfrm>
+            <a:off x="3487684" y="765043"/>
+            <a:ext cx="1254231" cy="369332"/>
+          </a:xfrm>
+          <a:prstGeom prst="rect">
+            <a:avLst/>
+          </a:prstGeom>
+          <a:solidFill>
+            <a:schemeClr val="accent5"/>
+          </a:solidFill>
+          <a:ln>
+            <a:noFill/>
+          </a:ln>
+        </p:spPr>
+        <p:style>
+          <a:lnRef idx="0">
+            <a:scrgbClr r="0" g="0" b="0"/>
+          </a:lnRef>
+          <a:fillRef idx="0">
+            <a:scrgbClr r="0" g="0" b="0"/>
+          </a:fillRef>
+          <a:effectRef idx="0">
+            <a:scrgbClr r="0" g="0" b="0"/>
+          </a:effectRef>
+          <a:fontRef idx="minor">
+            <a:schemeClr val="lt1"/>
+          </a:fontRef>
+        </p:style>
+        <p:txBody>
+          <a:bodyPr wrap="square" rtlCol="0">
+            <a:spAutoFit/>
+          </a:bodyPr>
+          <a:lstStyle/>
+          <a:p>
+            <a:pPr algn="ctr"/>
+            <a:r>
+              <a:rPr lang="en-US" sz="1800" b="1" dirty="0"/>
+              <a:t>Operations</a:t>
+            </a:r>
+          </a:p>
+        </p:txBody>
+      </p:sp>
     </p:spTree>
     <p:extLst>
       <p:ext uri="{BB962C8B-B14F-4D97-AF65-F5344CB8AC3E}">
@@ -4301,14 +4544,27 @@
         </p:nvSpPr>
         <p:spPr>
           <a:xfrm>
-            <a:off x="248575" y="177557"/>
-            <a:ext cx="7688062" cy="461665"/>
+            <a:off x="3186015" y="130169"/>
+            <a:ext cx="1857570" cy="461665"/>
           </a:xfrm>
           <a:prstGeom prst="rect">
             <a:avLst/>
           </a:prstGeom>
-          <a:noFill/>
-        </p:spPr>
+        </p:spPr>
+        <p:style>
+          <a:lnRef idx="0">
+            <a:schemeClr val="accent5"/>
+          </a:lnRef>
+          <a:fillRef idx="3">
+            <a:schemeClr val="accent5"/>
+          </a:fillRef>
+          <a:effectRef idx="3">
+            <a:schemeClr val="accent5"/>
+          </a:effectRef>
+          <a:fontRef idx="minor">
+            <a:schemeClr val="lt1"/>
+          </a:fontRef>
+        </p:style>
         <p:txBody>
           <a:bodyPr wrap="square" rtlCol="0">
             <a:spAutoFit/>
@@ -4347,14 +4603,27 @@
         </p:nvSpPr>
         <p:spPr>
           <a:xfrm>
-            <a:off x="248575" y="787828"/>
-            <a:ext cx="7688062" cy="738664"/>
+            <a:off x="2439943" y="799198"/>
+            <a:ext cx="3160669" cy="274320"/>
           </a:xfrm>
           <a:prstGeom prst="rect">
             <a:avLst/>
           </a:prstGeom>
-          <a:noFill/>
-        </p:spPr>
+        </p:spPr>
+        <p:style>
+          <a:lnRef idx="0">
+            <a:schemeClr val="accent5"/>
+          </a:lnRef>
+          <a:fillRef idx="3">
+            <a:schemeClr val="accent5"/>
+          </a:fillRef>
+          <a:effectRef idx="3">
+            <a:schemeClr val="accent5"/>
+          </a:effectRef>
+          <a:fontRef idx="minor">
+            <a:schemeClr val="lt1"/>
+          </a:fontRef>
+        </p:style>
         <p:txBody>
           <a:bodyPr wrap="square" rtlCol="0">
             <a:spAutoFit/>
@@ -4363,7 +4632,7 @@
           <a:p>
             <a:r>
               <a:rPr lang="en-US" sz="1400" b="1" dirty="0"/>
-              <a:t>Orthogonal Line segment intersection</a:t>
+              <a:t>Orthogonal Line Segment Intersection</a:t>
             </a:r>
           </a:p>
           <a:p>
@@ -4456,6 +4725,446 @@
                 <a:cs typeface="Arial" panose="020B0604020202020204" pitchFamily="34" charset="0"/>
               </a:rPr>
               <a:t>4</a:t>
+            </a:r>
+          </a:p>
+        </p:txBody>
+      </p:sp>
+      <p:pic>
+        <p:nvPicPr>
+          <p:cNvPr id="2" name="Picture 1">
+            <a:extLst>
+              <a:ext uri="{FF2B5EF4-FFF2-40B4-BE49-F238E27FC236}">
+                <a16:creationId xmlns:a16="http://schemas.microsoft.com/office/drawing/2014/main" id="{4F00BE0F-4E33-44E4-8D14-52C4AFEBD84D}"/>
+              </a:ext>
+            </a:extLst>
+          </p:cNvPr>
+          <p:cNvPicPr>
+            <a:picLocks noChangeAspect="1"/>
+          </p:cNvPicPr>
+          <p:nvPr/>
+        </p:nvPicPr>
+        <p:blipFill>
+          <a:blip r:embed="rId3"/>
+          <a:stretch>
+            <a:fillRect/>
+          </a:stretch>
+        </p:blipFill>
+        <p:spPr>
+          <a:xfrm>
+            <a:off x="4758266" y="1410395"/>
+            <a:ext cx="3076222" cy="2695691"/>
+          </a:xfrm>
+          <a:prstGeom prst="rect">
+            <a:avLst/>
+          </a:prstGeom>
+          <a:ln w="12700">
+            <a:solidFill>
+              <a:schemeClr val="tx1"/>
+            </a:solidFill>
+          </a:ln>
+        </p:spPr>
+      </p:pic>
+      <p:pic>
+        <p:nvPicPr>
+          <p:cNvPr id="1026" name="Picture 2">
+            <a:extLst>
+              <a:ext uri="{FF2B5EF4-FFF2-40B4-BE49-F238E27FC236}">
+                <a16:creationId xmlns:a16="http://schemas.microsoft.com/office/drawing/2014/main" id="{2934B83F-30DF-47F2-B94B-91F58DA2E75C}"/>
+              </a:ext>
+            </a:extLst>
+          </p:cNvPr>
+          <p:cNvPicPr>
+            <a:picLocks noChangeAspect="1" noChangeArrowheads="1"/>
+          </p:cNvPicPr>
+          <p:nvPr/>
+        </p:nvPicPr>
+        <p:blipFill rotWithShape="1">
+          <a:blip r:embed="rId4">
+            <a:extLst>
+              <a:ext uri="{28A0092B-C50C-407E-A947-70E740481C1C}">
+                <a14:useLocalDpi xmlns:a14="http://schemas.microsoft.com/office/drawing/2010/main" val="0"/>
+              </a:ext>
+            </a:extLst>
+          </a:blip>
+          <a:srcRect l="5606" t="32655" r="11111" b="25617"/>
+          <a:stretch/>
+        </p:blipFill>
+        <p:spPr bwMode="auto">
+          <a:xfrm>
+            <a:off x="719666" y="1237690"/>
+            <a:ext cx="2048934" cy="2219678"/>
+          </a:xfrm>
+          <a:prstGeom prst="rect">
+            <a:avLst/>
+          </a:prstGeom>
+          <a:noFill/>
+          <a:ln w="12700">
+            <a:solidFill>
+              <a:schemeClr val="tx1"/>
+            </a:solidFill>
+          </a:ln>
+          <a:extLst>
+            <a:ext uri="{909E8E84-426E-40DD-AFC4-6F175D3DCCD1}">
+              <a14:hiddenFill xmlns:a14="http://schemas.microsoft.com/office/drawing/2010/main">
+                <a:solidFill>
+                  <a:srgbClr val="FFFFFF"/>
+                </a:solidFill>
+              </a14:hiddenFill>
+            </a:ext>
+          </a:extLst>
+        </p:spPr>
+      </p:pic>
+      <p:pic>
+        <p:nvPicPr>
+          <p:cNvPr id="1028" name="Picture 4">
+            <a:extLst>
+              <a:ext uri="{FF2B5EF4-FFF2-40B4-BE49-F238E27FC236}">
+                <a16:creationId xmlns:a16="http://schemas.microsoft.com/office/drawing/2014/main" id="{1CA96B4F-076A-4F71-A98E-ED9F6C78A430}"/>
+              </a:ext>
+            </a:extLst>
+          </p:cNvPr>
+          <p:cNvPicPr>
+            <a:picLocks noChangeAspect="1" noChangeArrowheads="1"/>
+          </p:cNvPicPr>
+          <p:nvPr/>
+        </p:nvPicPr>
+        <p:blipFill rotWithShape="1">
+          <a:blip r:embed="rId5">
+            <a:extLst>
+              <a:ext uri="{28A0092B-C50C-407E-A947-70E740481C1C}">
+                <a14:useLocalDpi xmlns:a14="http://schemas.microsoft.com/office/drawing/2010/main" val="0"/>
+              </a:ext>
+            </a:extLst>
+          </a:blip>
+          <a:srcRect l="19570" t="44568" r="23040" b="23333"/>
+          <a:stretch/>
+        </p:blipFill>
+        <p:spPr bwMode="auto">
+          <a:xfrm>
+            <a:off x="3156655" y="1879960"/>
+            <a:ext cx="1213556" cy="1467556"/>
+          </a:xfrm>
+          <a:prstGeom prst="rect">
+            <a:avLst/>
+          </a:prstGeom>
+          <a:noFill/>
+          <a:ln w="12700">
+            <a:solidFill>
+              <a:schemeClr val="tx1"/>
+            </a:solidFill>
+          </a:ln>
+          <a:extLst>
+            <a:ext uri="{909E8E84-426E-40DD-AFC4-6F175D3DCCD1}">
+              <a14:hiddenFill xmlns:a14="http://schemas.microsoft.com/office/drawing/2010/main">
+                <a:solidFill>
+                  <a:srgbClr val="FFFFFF"/>
+                </a:solidFill>
+              </a14:hiddenFill>
+            </a:ext>
+          </a:extLst>
+        </p:spPr>
+      </p:pic>
+      <p:sp>
+        <p:nvSpPr>
+          <p:cNvPr id="8" name="Speech Bubble: Oval 7">
+            <a:extLst>
+              <a:ext uri="{FF2B5EF4-FFF2-40B4-BE49-F238E27FC236}">
+                <a16:creationId xmlns:a16="http://schemas.microsoft.com/office/drawing/2014/main" id="{3DDDF771-AE35-42C4-8A6D-CA20DD9FBF82}"/>
+              </a:ext>
+            </a:extLst>
+          </p:cNvPr>
+          <p:cNvSpPr/>
+          <p:nvPr/>
+        </p:nvSpPr>
+        <p:spPr>
+          <a:xfrm>
+            <a:off x="2706510" y="3704363"/>
+            <a:ext cx="843844" cy="381156"/>
+          </a:xfrm>
+          <a:prstGeom prst="wedgeEllipseCallout">
+            <a:avLst>
+              <a:gd name="adj1" fmla="val 81322"/>
+              <a:gd name="adj2" fmla="val -112072"/>
+            </a:avLst>
+          </a:prstGeom>
+          <a:solidFill>
+            <a:schemeClr val="accent1">
+              <a:lumMod val="20000"/>
+              <a:lumOff val="80000"/>
+            </a:schemeClr>
+          </a:solidFill>
+          <a:ln>
+            <a:solidFill>
+              <a:schemeClr val="accent1">
+                <a:lumMod val="75000"/>
+              </a:schemeClr>
+            </a:solidFill>
+          </a:ln>
+        </p:spPr>
+        <p:style>
+          <a:lnRef idx="2">
+            <a:schemeClr val="accent1">
+              <a:shade val="50000"/>
+            </a:schemeClr>
+          </a:lnRef>
+          <a:fillRef idx="1">
+            <a:schemeClr val="accent1"/>
+          </a:fillRef>
+          <a:effectRef idx="0">
+            <a:schemeClr val="accent1"/>
+          </a:effectRef>
+          <a:fontRef idx="minor">
+            <a:schemeClr val="lt1"/>
+          </a:fontRef>
+        </p:style>
+        <p:txBody>
+          <a:bodyPr rtlCol="0" anchor="ctr"/>
+          <a:lstStyle/>
+          <a:p>
+            <a:pPr algn="ctr"/>
+            <a:endParaRPr lang="en-US"/>
+          </a:p>
+        </p:txBody>
+      </p:sp>
+      <p:sp>
+        <p:nvSpPr>
+          <p:cNvPr id="12" name="TextBox 11">
+            <a:extLst>
+              <a:ext uri="{FF2B5EF4-FFF2-40B4-BE49-F238E27FC236}">
+                <a16:creationId xmlns:a16="http://schemas.microsoft.com/office/drawing/2014/main" id="{AA9B9527-E2BE-42B3-9E0B-EE15BA53F8A7}"/>
+              </a:ext>
+            </a:extLst>
+          </p:cNvPr>
+          <p:cNvSpPr txBox="1"/>
+          <p:nvPr/>
+        </p:nvSpPr>
+        <p:spPr>
+          <a:xfrm>
+            <a:off x="2600566" y="3785712"/>
+            <a:ext cx="1055731" cy="276999"/>
+          </a:xfrm>
+          <a:prstGeom prst="rect">
+            <a:avLst/>
+          </a:prstGeom>
+          <a:noFill/>
+        </p:spPr>
+        <p:txBody>
+          <a:bodyPr wrap="square" rtlCol="0">
+            <a:spAutoFit/>
+          </a:bodyPr>
+          <a:lstStyle/>
+          <a:p>
+            <a:pPr algn="ctr"/>
+            <a:r>
+              <a:rPr lang="en-US" sz="1200" dirty="0">
+                <a:solidFill>
+                  <a:schemeClr val="accent1">
+                    <a:lumMod val="50000"/>
+                  </a:schemeClr>
+                </a:solidFill>
+                <a:latin typeface="Bungee Inline" pitchFamily="2" charset="0"/>
+              </a:rPr>
+              <a:t>Idea</a:t>
+            </a:r>
+          </a:p>
+        </p:txBody>
+      </p:sp>
+      <p:sp>
+        <p:nvSpPr>
+          <p:cNvPr id="17" name="Speech Bubble: Oval 16">
+            <a:extLst>
+              <a:ext uri="{FF2B5EF4-FFF2-40B4-BE49-F238E27FC236}">
+                <a16:creationId xmlns:a16="http://schemas.microsoft.com/office/drawing/2014/main" id="{B464E059-57D2-4F50-9997-CCB5F74BF871}"/>
+              </a:ext>
+            </a:extLst>
+          </p:cNvPr>
+          <p:cNvSpPr/>
+          <p:nvPr/>
+        </p:nvSpPr>
+        <p:spPr>
+          <a:xfrm>
+            <a:off x="6403622" y="639222"/>
+            <a:ext cx="1368778" cy="466964"/>
+          </a:xfrm>
+          <a:prstGeom prst="wedgeEllipseCallout">
+            <a:avLst>
+              <a:gd name="adj1" fmla="val -66274"/>
+              <a:gd name="adj2" fmla="val 87789"/>
+            </a:avLst>
+          </a:prstGeom>
+          <a:solidFill>
+            <a:schemeClr val="accent1">
+              <a:lumMod val="20000"/>
+              <a:lumOff val="80000"/>
+            </a:schemeClr>
+          </a:solidFill>
+          <a:ln>
+            <a:solidFill>
+              <a:schemeClr val="accent1">
+                <a:lumMod val="75000"/>
+              </a:schemeClr>
+            </a:solidFill>
+          </a:ln>
+        </p:spPr>
+        <p:style>
+          <a:lnRef idx="2">
+            <a:schemeClr val="accent1">
+              <a:shade val="50000"/>
+            </a:schemeClr>
+          </a:lnRef>
+          <a:fillRef idx="1">
+            <a:schemeClr val="accent1"/>
+          </a:fillRef>
+          <a:effectRef idx="0">
+            <a:schemeClr val="accent1"/>
+          </a:effectRef>
+          <a:fontRef idx="minor">
+            <a:schemeClr val="lt1"/>
+          </a:fontRef>
+        </p:style>
+        <p:txBody>
+          <a:bodyPr rtlCol="0" anchor="ctr"/>
+          <a:lstStyle/>
+          <a:p>
+            <a:pPr algn="ctr"/>
+            <a:endParaRPr lang="en-US"/>
+          </a:p>
+        </p:txBody>
+      </p:sp>
+      <p:sp>
+        <p:nvSpPr>
+          <p:cNvPr id="13" name="TextBox 12">
+            <a:extLst>
+              <a:ext uri="{FF2B5EF4-FFF2-40B4-BE49-F238E27FC236}">
+                <a16:creationId xmlns:a16="http://schemas.microsoft.com/office/drawing/2014/main" id="{D147F1DD-22C2-42B4-8BC7-0E8EE97A7BB8}"/>
+              </a:ext>
+            </a:extLst>
+          </p:cNvPr>
+          <p:cNvSpPr txBox="1"/>
+          <p:nvPr/>
+        </p:nvSpPr>
+        <p:spPr>
+          <a:xfrm>
+            <a:off x="6502400" y="689618"/>
+            <a:ext cx="1168400" cy="369332"/>
+          </a:xfrm>
+          <a:prstGeom prst="rect">
+            <a:avLst/>
+          </a:prstGeom>
+          <a:noFill/>
+        </p:spPr>
+        <p:txBody>
+          <a:bodyPr wrap="square" rtlCol="0">
+            <a:spAutoFit/>
+          </a:bodyPr>
+          <a:lstStyle/>
+          <a:p>
+            <a:pPr algn="ctr"/>
+            <a:r>
+              <a:rPr lang="en-US" sz="900" dirty="0">
+                <a:latin typeface="Bungee Inline" pitchFamily="2" charset="0"/>
+              </a:rPr>
+              <a:t>OUR APPLICATION</a:t>
+            </a:r>
+          </a:p>
+        </p:txBody>
+      </p:sp>
+      <p:sp>
+        <p:nvSpPr>
+          <p:cNvPr id="19" name="Speech Bubble: Oval 18">
+            <a:extLst>
+              <a:ext uri="{FF2B5EF4-FFF2-40B4-BE49-F238E27FC236}">
+                <a16:creationId xmlns:a16="http://schemas.microsoft.com/office/drawing/2014/main" id="{150FADFB-8BEE-44F7-863C-49CF9EA83620}"/>
+              </a:ext>
+            </a:extLst>
+          </p:cNvPr>
+          <p:cNvSpPr/>
+          <p:nvPr/>
+        </p:nvSpPr>
+        <p:spPr>
+          <a:xfrm>
+            <a:off x="369755" y="570187"/>
+            <a:ext cx="1267178" cy="420508"/>
+          </a:xfrm>
+          <a:prstGeom prst="wedgeEllipseCallout">
+            <a:avLst>
+              <a:gd name="adj1" fmla="val 74038"/>
+              <a:gd name="adj2" fmla="val 90473"/>
+            </a:avLst>
+          </a:prstGeom>
+          <a:solidFill>
+            <a:schemeClr val="accent1">
+              <a:lumMod val="20000"/>
+              <a:lumOff val="80000"/>
+            </a:schemeClr>
+          </a:solidFill>
+          <a:ln>
+            <a:solidFill>
+              <a:schemeClr val="accent1">
+                <a:lumMod val="75000"/>
+              </a:schemeClr>
+            </a:solidFill>
+          </a:ln>
+        </p:spPr>
+        <p:style>
+          <a:lnRef idx="2">
+            <a:schemeClr val="accent1">
+              <a:shade val="50000"/>
+            </a:schemeClr>
+          </a:lnRef>
+          <a:fillRef idx="1">
+            <a:schemeClr val="accent1"/>
+          </a:fillRef>
+          <a:effectRef idx="0">
+            <a:schemeClr val="accent1"/>
+          </a:effectRef>
+          <a:fontRef idx="minor">
+            <a:schemeClr val="lt1"/>
+          </a:fontRef>
+        </p:style>
+        <p:txBody>
+          <a:bodyPr rtlCol="0" anchor="ctr"/>
+          <a:lstStyle/>
+          <a:p>
+            <a:pPr algn="ctr"/>
+            <a:endParaRPr lang="en-US"/>
+          </a:p>
+        </p:txBody>
+      </p:sp>
+      <p:sp>
+        <p:nvSpPr>
+          <p:cNvPr id="20" name="TextBox 19">
+            <a:extLst>
+              <a:ext uri="{FF2B5EF4-FFF2-40B4-BE49-F238E27FC236}">
+                <a16:creationId xmlns:a16="http://schemas.microsoft.com/office/drawing/2014/main" id="{27094501-9F84-4DB3-9CAF-79EF794C3C11}"/>
+              </a:ext>
+            </a:extLst>
+          </p:cNvPr>
+          <p:cNvSpPr txBox="1"/>
+          <p:nvPr/>
+        </p:nvSpPr>
+        <p:spPr>
+          <a:xfrm>
+            <a:off x="412093" y="667041"/>
+            <a:ext cx="1168400" cy="276999"/>
+          </a:xfrm>
+          <a:prstGeom prst="rect">
+            <a:avLst/>
+          </a:prstGeom>
+          <a:noFill/>
+        </p:spPr>
+        <p:txBody>
+          <a:bodyPr wrap="square" rtlCol="0">
+            <a:spAutoFit/>
+          </a:bodyPr>
+          <a:lstStyle/>
+          <a:p>
+            <a:pPr algn="ctr"/>
+            <a:r>
+              <a:rPr lang="en-US" sz="1200" dirty="0">
+                <a:latin typeface="Bungee Inline" pitchFamily="2" charset="0"/>
+              </a:rPr>
+              <a:t>DESIGN</a:t>
             </a:r>
           </a:p>
         </p:txBody>

--- a/Buffer Tree - Poster Presentation.pptx
+++ b/Buffer Tree - Poster Presentation.pptx
@@ -3422,8 +3422,8 @@
         </p:nvSpPr>
         <p:spPr>
           <a:xfrm>
-            <a:off x="248575" y="346887"/>
-            <a:ext cx="7688062" cy="646331"/>
+            <a:off x="457200" y="355107"/>
+            <a:ext cx="3425958" cy="646331"/>
           </a:xfrm>
           <a:prstGeom prst="rect">
             <a:avLst/>
@@ -3818,22 +3818,17 @@
           <a:prstGeom prst="rect">
             <a:avLst/>
           </a:prstGeom>
-          <a:solidFill>
-            <a:schemeClr val="accent5"/>
-          </a:solidFill>
-          <a:ln>
-            <a:noFill/>
-          </a:ln>
+          <a:ln/>
         </p:spPr>
         <p:style>
           <a:lnRef idx="0">
-            <a:scrgbClr r="0" g="0" b="0"/>
+            <a:schemeClr val="accent5"/>
           </a:lnRef>
-          <a:fillRef idx="0">
-            <a:scrgbClr r="0" g="0" b="0"/>
+          <a:fillRef idx="3">
+            <a:schemeClr val="accent5"/>
           </a:fillRef>
-          <a:effectRef idx="0">
-            <a:scrgbClr r="0" g="0" b="0"/>
+          <a:effectRef idx="3">
+            <a:schemeClr val="accent5"/>
           </a:effectRef>
           <a:fontRef idx="minor">
             <a:schemeClr val="lt1"/>
@@ -3929,7 +3924,7 @@
         </p:blipFill>
         <p:spPr>
           <a:xfrm>
-            <a:off x="2000065" y="889920"/>
+            <a:off x="1900398" y="1021919"/>
             <a:ext cx="4119402" cy="2844603"/>
           </a:xfrm>
           <a:prstGeom prst="rect">
@@ -3952,7 +3947,7 @@
         <p:spPr>
           <a:xfrm>
             <a:off x="457200" y="4055836"/>
-            <a:ext cx="7315200" cy="338554"/>
+            <a:ext cx="7230533" cy="338554"/>
           </a:xfrm>
           <a:prstGeom prst="rect">
             <a:avLst/>
@@ -3997,28 +3992,23 @@
         </p:nvSpPr>
         <p:spPr>
           <a:xfrm>
-            <a:off x="778934" y="2031908"/>
+            <a:off x="778934" y="2556119"/>
             <a:ext cx="852311" cy="368049"/>
           </a:xfrm>
           <a:prstGeom prst="rect">
             <a:avLst/>
           </a:prstGeom>
-          <a:solidFill>
-            <a:schemeClr val="accent5"/>
-          </a:solidFill>
-          <a:ln>
-            <a:noFill/>
-          </a:ln>
+          <a:ln/>
         </p:spPr>
         <p:style>
           <a:lnRef idx="0">
-            <a:scrgbClr r="0" g="0" b="0"/>
+            <a:schemeClr val="accent5"/>
           </a:lnRef>
-          <a:fillRef idx="0">
-            <a:scrgbClr r="0" g="0" b="0"/>
+          <a:fillRef idx="3">
+            <a:schemeClr val="accent5"/>
           </a:fillRef>
-          <a:effectRef idx="0">
-            <a:scrgbClr r="0" g="0" b="0"/>
+          <a:effectRef idx="3">
+            <a:schemeClr val="accent5"/>
           </a:effectRef>
           <a:fontRef idx="minor">
             <a:schemeClr val="lt1"/>
@@ -4062,22 +4052,17 @@
           <a:prstGeom prst="rect">
             <a:avLst/>
           </a:prstGeom>
-          <a:solidFill>
-            <a:schemeClr val="accent5"/>
-          </a:solidFill>
-          <a:ln>
-            <a:noFill/>
-          </a:ln>
+          <a:ln/>
         </p:spPr>
         <p:style>
           <a:lnRef idx="0">
-            <a:scrgbClr r="0" g="0" b="0"/>
+            <a:schemeClr val="accent5"/>
           </a:lnRef>
-          <a:fillRef idx="0">
-            <a:scrgbClr r="0" g="0" b="0"/>
+          <a:fillRef idx="3">
+            <a:schemeClr val="accent5"/>
           </a:fillRef>
-          <a:effectRef idx="0">
-            <a:scrgbClr r="0" g="0" b="0"/>
+          <a:effectRef idx="3">
+            <a:schemeClr val="accent5"/>
           </a:effectRef>
           <a:fontRef idx="minor">
             <a:schemeClr val="lt1"/>
@@ -4101,6 +4086,203 @@
           </a:p>
         </p:txBody>
       </p:sp>
+      <mc:AlternateContent xmlns:mc="http://schemas.openxmlformats.org/markup-compatibility/2006">
+        <mc:Choice xmlns:a14="http://schemas.microsoft.com/office/drawing/2010/main" Requires="a14">
+          <p:sp>
+            <p:nvSpPr>
+              <p:cNvPr id="9" name="TextBox 8">
+                <a:extLst>
+                  <a:ext uri="{FF2B5EF4-FFF2-40B4-BE49-F238E27FC236}">
+                    <a16:creationId xmlns:a16="http://schemas.microsoft.com/office/drawing/2014/main" id="{0798E93B-EDB7-4FF0-851C-CEC91ECECD2B}"/>
+                  </a:ext>
+                </a:extLst>
+              </p:cNvPr>
+              <p:cNvSpPr txBox="1"/>
+              <p:nvPr/>
+            </p:nvSpPr>
+            <p:spPr>
+              <a:xfrm>
+                <a:off x="6383865" y="2370228"/>
+                <a:ext cx="1444979" cy="869084"/>
+              </a:xfrm>
+              <a:prstGeom prst="rect">
+                <a:avLst/>
+              </a:prstGeom>
+              <a:ln/>
+            </p:spPr>
+            <p:style>
+              <a:lnRef idx="0">
+                <a:schemeClr val="accent5"/>
+              </a:lnRef>
+              <a:fillRef idx="3">
+                <a:schemeClr val="accent5"/>
+              </a:fillRef>
+              <a:effectRef idx="3">
+                <a:schemeClr val="accent5"/>
+              </a:effectRef>
+              <a:fontRef idx="minor">
+                <a:schemeClr val="lt1"/>
+              </a:fontRef>
+            </p:style>
+            <p:txBody>
+              <a:bodyPr wrap="square" rtlCol="0">
+                <a:spAutoFit/>
+              </a:bodyPr>
+              <a:lstStyle/>
+              <a:p>
+                <a:pPr algn="ctr">
+                  <a:lnSpc>
+                    <a:spcPct val="120000"/>
+                  </a:lnSpc>
+                </a:pPr>
+                <a14:m>
+                  <m:oMath xmlns:m="http://schemas.openxmlformats.org/officeDocument/2006/math">
+                    <m:r>
+                      <a:rPr lang="en-US" i="1"/>
+                      <m:t>𝑂</m:t>
+                    </m:r>
+                    <m:r>
+                      <a:rPr lang="en-US" i="1"/>
+                      <m:t>(</m:t>
+                    </m:r>
+                    <m:func>
+                      <m:funcPr>
+                        <m:ctrlPr>
+                          <a:rPr lang="en-US" i="1"/>
+                        </m:ctrlPr>
+                      </m:funcPr>
+                      <m:fName>
+                        <m:sSub>
+                          <m:sSubPr>
+                            <m:ctrlPr>
+                              <a:rPr lang="en-US" i="1"/>
+                            </m:ctrlPr>
+                          </m:sSubPr>
+                          <m:e>
+                            <m:f>
+                              <m:fPr>
+                                <m:ctrlPr>
+                                  <a:rPr lang="en-US" i="1"/>
+                                </m:ctrlPr>
+                              </m:fPr>
+                              <m:num>
+                                <m:r>
+                                  <a:rPr lang="en-GB" i="1"/>
+                                  <m:t>1</m:t>
+                                </m:r>
+                              </m:num>
+                              <m:den>
+                                <m:r>
+                                  <a:rPr lang="en-GB" i="1"/>
+                                  <m:t>𝑘</m:t>
+                                </m:r>
+                              </m:den>
+                            </m:f>
+                            <m:r>
+                              <m:rPr>
+                                <m:sty m:val="p"/>
+                              </m:rPr>
+                              <a:rPr lang="en-GB"/>
+                              <m:t>log</m:t>
+                            </m:r>
+                          </m:e>
+                          <m:sub>
+                            <m:r>
+                              <a:rPr lang="en-US" i="1"/>
+                              <m:t>𝑘</m:t>
+                            </m:r>
+                          </m:sub>
+                        </m:sSub>
+                      </m:fName>
+                      <m:e>
+                        <m:r>
+                          <a:rPr lang="en-US" i="1"/>
+                          <m:t>𝑛</m:t>
+                        </m:r>
+                      </m:e>
+                    </m:func>
+                    <m:r>
+                      <a:rPr lang="en-US" i="1"/>
+                      <m:t>)</m:t>
+                    </m:r>
+                  </m:oMath>
+                </a14:m>
+                <a:r>
+                  <a:rPr lang="en-US" dirty="0"/>
+                  <a:t> </a:t>
+                </a:r>
+              </a:p>
+              <a:p>
+                <a:pPr algn="ctr">
+                  <a:lnSpc>
+                    <a:spcPct val="120000"/>
+                  </a:lnSpc>
+                </a:pPr>
+                <a:r>
+                  <a:rPr lang="en-US" sz="1100" dirty="0"/>
+                  <a:t>k = branching degree</a:t>
+                </a:r>
+              </a:p>
+              <a:p>
+                <a:pPr algn="ctr">
+                  <a:lnSpc>
+                    <a:spcPct val="120000"/>
+                  </a:lnSpc>
+                </a:pPr>
+                <a:r>
+                  <a:rPr lang="en-US" sz="1100" dirty="0"/>
+                  <a:t>N = no. of elements</a:t>
+                </a:r>
+              </a:p>
+            </p:txBody>
+          </p:sp>
+        </mc:Choice>
+        <mc:Fallback>
+          <p:sp>
+            <p:nvSpPr>
+              <p:cNvPr id="9" name="TextBox 8">
+                <a:extLst>
+                  <a:ext uri="{FF2B5EF4-FFF2-40B4-BE49-F238E27FC236}">
+                    <a16:creationId xmlns:a16="http://schemas.microsoft.com/office/drawing/2014/main" id="{0798E93B-EDB7-4FF0-851C-CEC91ECECD2B}"/>
+                  </a:ext>
+                </a:extLst>
+              </p:cNvPr>
+              <p:cNvSpPr txBox="1">
+                <a:spLocks noRot="1" noChangeAspect="1" noMove="1" noResize="1" noEditPoints="1" noAdjustHandles="1" noChangeArrowheads="1" noChangeShapeType="1" noTextEdit="1"/>
+              </p:cNvSpPr>
+              <p:nvPr/>
+            </p:nvSpPr>
+            <p:spPr>
+              <a:xfrm>
+                <a:off x="6383865" y="2370228"/>
+                <a:ext cx="1444979" cy="869084"/>
+              </a:xfrm>
+              <a:prstGeom prst="rect">
+                <a:avLst/>
+              </a:prstGeom>
+              <a:blipFill>
+                <a:blip r:embed="rId4"/>
+                <a:stretch>
+                  <a:fillRect/>
+                </a:stretch>
+              </a:blipFill>
+              <a:ln/>
+            </p:spPr>
+            <p:txBody>
+              <a:bodyPr/>
+              <a:lstStyle/>
+              <a:p>
+                <a:r>
+                  <a:rPr lang="en-US">
+                    <a:noFill/>
+                  </a:rPr>
+                  <a:t> </a:t>
+                </a:r>
+              </a:p>
+            </p:txBody>
+          </p:sp>
+        </mc:Fallback>
+      </mc:AlternateContent>
     </p:spTree>
     <p:extLst>
       <p:ext uri="{BB962C8B-B14F-4D97-AF65-F5344CB8AC3E}">
@@ -4222,29 +4404,77 @@
               <a:buChar char="o"/>
             </a:pPr>
             <a:r>
-              <a:rPr lang="en-US" sz="1400" dirty="0"/>
+              <a:rPr lang="en-US" sz="1400" dirty="0">
+                <a:effectLst>
+                  <a:outerShdw blurRad="38100" dist="38100" dir="2700000" algn="tl">
+                    <a:srgbClr val="000000">
+                      <a:alpha val="43137"/>
+                    </a:srgbClr>
+                  </a:outerShdw>
+                </a:effectLst>
+              </a:rPr>
               <a:t>Tree = </a:t>
             </a:r>
             <a:r>
-              <a:rPr lang="en-US" sz="1400" dirty="0" err="1"/>
+              <a:rPr lang="en-US" sz="1400" dirty="0" err="1">
+                <a:effectLst>
+                  <a:outerShdw blurRad="38100" dist="38100" dir="2700000" algn="tl">
+                    <a:srgbClr val="000000">
+                      <a:alpha val="43137"/>
+                    </a:srgbClr>
+                  </a:outerShdw>
+                </a:effectLst>
+              </a:rPr>
               <a:t>Buffertree</a:t>
             </a:r>
             <a:r>
-              <a:rPr lang="en-US" sz="1400" dirty="0"/>
+              <a:rPr lang="en-US" sz="1400" dirty="0">
+                <a:effectLst>
+                  <a:outerShdw blurRad="38100" dist="38100" dir="2700000" algn="tl">
+                    <a:srgbClr val="000000">
+                      <a:alpha val="43137"/>
+                    </a:srgbClr>
+                  </a:outerShdw>
+                </a:effectLst>
+              </a:rPr>
               <a:t>(</a:t>
             </a:r>
             <a:r>
-              <a:rPr lang="en-US" sz="1400" i="1" dirty="0"/>
+              <a:rPr lang="en-US" sz="1400" i="1" dirty="0">
+                <a:effectLst>
+                  <a:outerShdw blurRad="38100" dist="38100" dir="2700000" algn="tl">
+                    <a:srgbClr val="000000">
+                      <a:alpha val="43137"/>
+                    </a:srgbClr>
+                  </a:outerShdw>
+                </a:effectLst>
+              </a:rPr>
               <a:t>min degree per node</a:t>
             </a:r>
             <a:r>
-              <a:rPr lang="en-US" sz="1400" dirty="0"/>
+              <a:rPr lang="en-US" sz="1400" dirty="0">
+                <a:effectLst>
+                  <a:outerShdw blurRad="38100" dist="38100" dir="2700000" algn="tl">
+                    <a:srgbClr val="000000">
+                      <a:alpha val="43137"/>
+                    </a:srgbClr>
+                  </a:outerShdw>
+                </a:effectLst>
+              </a:rPr>
               <a:t>)</a:t>
             </a:r>
           </a:p>
           <a:p>
             <a:pPr algn="just"/>
-            <a:endParaRPr lang="en-US" sz="1400" dirty="0"/>
+            <a:endParaRPr lang="en-US" sz="1400" dirty="0">
+              <a:effectLst>
+                <a:outerShdw blurRad="38100" dist="38100" dir="2700000" algn="tl">
+                  <a:srgbClr val="000000">
+                    <a:alpha val="43137"/>
+                  </a:srgbClr>
+                </a:outerShdw>
+              </a:effectLst>
+            </a:endParaRPr>
           </a:p>
           <a:p>
             <a:pPr marL="285750" indent="-285750" algn="just">
@@ -4252,32 +4482,80 @@
               <a:buChar char="o"/>
             </a:pPr>
             <a:r>
-              <a:rPr lang="en-US" dirty="0" err="1"/>
+              <a:rPr lang="en-US" dirty="0" err="1">
+                <a:effectLst>
+                  <a:outerShdw blurRad="38100" dist="38100" dir="2700000" algn="tl">
+                    <a:srgbClr val="000000">
+                      <a:alpha val="43137"/>
+                    </a:srgbClr>
+                  </a:outerShdw>
+                </a:effectLst>
+              </a:rPr>
               <a:t>Tree.bufferinsert</a:t>
             </a:r>
             <a:r>
-              <a:rPr lang="en-US" dirty="0"/>
+              <a:rPr lang="en-US" dirty="0">
+                <a:effectLst>
+                  <a:outerShdw blurRad="38100" dist="38100" dir="2700000" algn="tl">
+                    <a:srgbClr val="000000">
+                      <a:alpha val="43137"/>
+                    </a:srgbClr>
+                  </a:outerShdw>
+                </a:effectLst>
+              </a:rPr>
               <a:t>(</a:t>
             </a:r>
             <a:r>
-              <a:rPr lang="en-US" i="1" dirty="0"/>
+              <a:rPr lang="en-US" i="1" dirty="0">
+                <a:effectLst>
+                  <a:outerShdw blurRad="38100" dist="38100" dir="2700000" algn="tl">
+                    <a:srgbClr val="000000">
+                      <a:alpha val="43137"/>
+                    </a:srgbClr>
+                  </a:outerShdw>
+                </a:effectLst>
+              </a:rPr>
               <a:t>element, operation</a:t>
             </a:r>
             <a:r>
-              <a:rPr lang="en-US" dirty="0"/>
+              <a:rPr lang="en-US" dirty="0">
+                <a:effectLst>
+                  <a:outerShdw blurRad="38100" dist="38100" dir="2700000" algn="tl">
+                    <a:srgbClr val="000000">
+                      <a:alpha val="43137"/>
+                    </a:srgbClr>
+                  </a:outerShdw>
+                </a:effectLst>
+              </a:rPr>
               <a:t>)</a:t>
             </a:r>
           </a:p>
           <a:p>
             <a:pPr algn="just"/>
             <a:r>
-              <a:rPr lang="en-US" i="1" dirty="0"/>
+              <a:rPr lang="en-US" i="1" dirty="0">
+                <a:effectLst>
+                  <a:outerShdw blurRad="38100" dist="38100" dir="2700000" algn="tl">
+                    <a:srgbClr val="000000">
+                      <a:alpha val="43137"/>
+                    </a:srgbClr>
+                  </a:outerShdw>
+                </a:effectLst>
+              </a:rPr>
               <a:t>	where operation = [insert, delete, search]</a:t>
             </a:r>
           </a:p>
           <a:p>
             <a:pPr algn="just"/>
-            <a:endParaRPr lang="en-US" i="1" dirty="0"/>
+            <a:endParaRPr lang="en-US" i="1" dirty="0">
+              <a:effectLst>
+                <a:outerShdw blurRad="38100" dist="38100" dir="2700000" algn="tl">
+                  <a:srgbClr val="000000">
+                    <a:alpha val="43137"/>
+                  </a:srgbClr>
+                </a:outerShdw>
+              </a:effectLst>
+            </a:endParaRPr>
           </a:p>
           <a:p>
             <a:pPr marL="285750" indent="-285750" algn="just">
@@ -4285,25 +4563,65 @@
               <a:buChar char="o"/>
             </a:pPr>
             <a:r>
-              <a:rPr lang="en-US" dirty="0" err="1"/>
+              <a:rPr lang="en-US" dirty="0" err="1">
+                <a:effectLst>
+                  <a:outerShdw blurRad="38100" dist="38100" dir="2700000" algn="tl">
+                    <a:srgbClr val="000000">
+                      <a:alpha val="43137"/>
+                    </a:srgbClr>
+                  </a:outerShdw>
+                </a:effectLst>
+              </a:rPr>
               <a:t>Tree.print_tree</a:t>
             </a:r>
             <a:r>
-              <a:rPr lang="en-US" dirty="0"/>
+              <a:rPr lang="en-US" dirty="0">
+                <a:effectLst>
+                  <a:outerShdw blurRad="38100" dist="38100" dir="2700000" algn="tl">
+                    <a:srgbClr val="000000">
+                      <a:alpha val="43137"/>
+                    </a:srgbClr>
+                  </a:outerShdw>
+                </a:effectLst>
+              </a:rPr>
               <a:t>(</a:t>
             </a:r>
             <a:r>
-              <a:rPr lang="en-US" i="1" dirty="0" err="1"/>
+              <a:rPr lang="en-US" i="1" dirty="0" err="1">
+                <a:effectLst>
+                  <a:outerShdw blurRad="38100" dist="38100" dir="2700000" algn="tl">
+                    <a:srgbClr val="000000">
+                      <a:alpha val="43137"/>
+                    </a:srgbClr>
+                  </a:outerShdw>
+                </a:effectLst>
+              </a:rPr>
               <a:t>root_node</a:t>
             </a:r>
             <a:r>
-              <a:rPr lang="en-US" dirty="0"/>
+              <a:rPr lang="en-US" dirty="0">
+                <a:effectLst>
+                  <a:outerShdw blurRad="38100" dist="38100" dir="2700000" algn="tl">
+                    <a:srgbClr val="000000">
+                      <a:alpha val="43137"/>
+                    </a:srgbClr>
+                  </a:outerShdw>
+                </a:effectLst>
+              </a:rPr>
               <a:t>)</a:t>
             </a:r>
           </a:p>
           <a:p>
             <a:pPr algn="just"/>
-            <a:endParaRPr lang="en-US" dirty="0"/>
+            <a:endParaRPr lang="en-US" dirty="0">
+              <a:effectLst>
+                <a:outerShdw blurRad="38100" dist="38100" dir="2700000" algn="tl">
+                  <a:srgbClr val="000000">
+                    <a:alpha val="43137"/>
+                  </a:srgbClr>
+                </a:outerShdw>
+              </a:effectLst>
+            </a:endParaRPr>
           </a:p>
           <a:p>
             <a:pPr marL="285750" indent="-285750" algn="just">
@@ -4311,19 +4629,51 @@
               <a:buChar char="o"/>
             </a:pPr>
             <a:r>
-              <a:rPr lang="en-US" dirty="0" err="1"/>
+              <a:rPr lang="en-US" dirty="0" err="1">
+                <a:effectLst>
+                  <a:outerShdw blurRad="38100" dist="38100" dir="2700000" algn="tl">
+                    <a:srgbClr val="000000">
+                      <a:alpha val="43137"/>
+                    </a:srgbClr>
+                  </a:outerShdw>
+                </a:effectLst>
+              </a:rPr>
               <a:t>Tree.inorder</a:t>
             </a:r>
             <a:r>
-              <a:rPr lang="en-US" dirty="0"/>
+              <a:rPr lang="en-US" dirty="0">
+                <a:effectLst>
+                  <a:outerShdw blurRad="38100" dist="38100" dir="2700000" algn="tl">
+                    <a:srgbClr val="000000">
+                      <a:alpha val="43137"/>
+                    </a:srgbClr>
+                  </a:outerShdw>
+                </a:effectLst>
+              </a:rPr>
               <a:t>(</a:t>
             </a:r>
             <a:r>
-              <a:rPr lang="en-US" i="1" dirty="0" err="1"/>
+              <a:rPr lang="en-US" i="1" dirty="0" err="1">
+                <a:effectLst>
+                  <a:outerShdw blurRad="38100" dist="38100" dir="2700000" algn="tl">
+                    <a:srgbClr val="000000">
+                      <a:alpha val="43137"/>
+                    </a:srgbClr>
+                  </a:outerShdw>
+                </a:effectLst>
+              </a:rPr>
               <a:t>root_node</a:t>
             </a:r>
             <a:r>
-              <a:rPr lang="en-US" dirty="0"/>
+              <a:rPr lang="en-US" dirty="0">
+                <a:effectLst>
+                  <a:outerShdw blurRad="38100" dist="38100" dir="2700000" algn="tl">
+                    <a:srgbClr val="000000">
+                      <a:alpha val="43137"/>
+                    </a:srgbClr>
+                  </a:outerShdw>
+                </a:effectLst>
+              </a:rPr>
               <a:t>)</a:t>
             </a:r>
           </a:p>
@@ -4465,22 +4815,17 @@
           <a:prstGeom prst="rect">
             <a:avLst/>
           </a:prstGeom>
-          <a:solidFill>
-            <a:schemeClr val="accent5"/>
-          </a:solidFill>
-          <a:ln>
-            <a:noFill/>
-          </a:ln>
+          <a:ln/>
         </p:spPr>
         <p:style>
           <a:lnRef idx="0">
-            <a:scrgbClr r="0" g="0" b="0"/>
+            <a:schemeClr val="accent5"/>
           </a:lnRef>
-          <a:fillRef idx="0">
-            <a:scrgbClr r="0" g="0" b="0"/>
+          <a:fillRef idx="3">
+            <a:schemeClr val="accent5"/>
           </a:fillRef>
-          <a:effectRef idx="0">
-            <a:scrgbClr r="0" g="0" b="0"/>
+          <a:effectRef idx="3">
+            <a:schemeClr val="accent5"/>
           </a:effectRef>
           <a:fontRef idx="minor">
             <a:schemeClr val="lt1"/>
@@ -4751,7 +5096,7 @@
         </p:blipFill>
         <p:spPr>
           <a:xfrm>
-            <a:off x="4758266" y="1410395"/>
+            <a:off x="4758266" y="1286227"/>
             <a:ext cx="3076222" cy="2695691"/>
           </a:xfrm>
           <a:prstGeom prst="rect">
@@ -4983,7 +5328,7 @@
         </p:nvSpPr>
         <p:spPr>
           <a:xfrm>
-            <a:off x="6403622" y="639222"/>
+            <a:off x="6403622" y="526342"/>
             <a:ext cx="1368778" cy="466964"/>
           </a:xfrm>
           <a:prstGeom prst="wedgeEllipseCallout">
@@ -5045,7 +5390,7 @@
         </p:nvSpPr>
         <p:spPr>
           <a:xfrm>
-            <a:off x="6502400" y="689618"/>
+            <a:off x="6502400" y="576738"/>
             <a:ext cx="1168400" cy="369332"/>
           </a:xfrm>
           <a:prstGeom prst="rect">

--- a/Buffer Tree - Poster Presentation.pptx
+++ b/Buffer Tree - Poster Presentation.pptx
@@ -200,7 +200,7 @@
           <a:p>
             <a:fld id="{FB4320AF-8B4A-CC4E-84FC-EC22B6BB215E}" type="datetimeFigureOut">
               <a:rPr lang="en-US" smtClean="0"/>
-              <a:t>6/24/2020</a:t>
+              <a:t>7/1/2020</a:t>
             </a:fld>
             <a:endParaRPr lang="en-US"/>
           </a:p>
@@ -598,7 +598,7 @@
           <a:p>
             <a:fld id="{BE7EECCD-3382-5548-BA91-DAD35A04889A}" type="datetimeFigureOut">
               <a:rPr lang="en-US" smtClean="0"/>
-              <a:t>6/24/2020</a:t>
+              <a:t>7/1/2020</a:t>
             </a:fld>
             <a:endParaRPr lang="en-US"/>
           </a:p>
@@ -763,7 +763,7 @@
           <a:p>
             <a:fld id="{BE7EECCD-3382-5548-BA91-DAD35A04889A}" type="datetimeFigureOut">
               <a:rPr lang="en-US" smtClean="0"/>
-              <a:t>6/24/2020</a:t>
+              <a:t>7/1/2020</a:t>
             </a:fld>
             <a:endParaRPr lang="en-US"/>
           </a:p>
@@ -938,7 +938,7 @@
           <a:p>
             <a:fld id="{BE7EECCD-3382-5548-BA91-DAD35A04889A}" type="datetimeFigureOut">
               <a:rPr lang="en-US" smtClean="0"/>
-              <a:t>6/24/2020</a:t>
+              <a:t>7/1/2020</a:t>
             </a:fld>
             <a:endParaRPr lang="en-US"/>
           </a:p>
@@ -1234,7 +1234,7 @@
           <a:p>
             <a:fld id="{BE7EECCD-3382-5548-BA91-DAD35A04889A}" type="datetimeFigureOut">
               <a:rPr lang="en-US" smtClean="0"/>
-              <a:t>6/24/2020</a:t>
+              <a:t>7/1/2020</a:t>
             </a:fld>
             <a:endParaRPr lang="en-US"/>
           </a:p>
@@ -1473,7 +1473,7 @@
           <a:p>
             <a:fld id="{BE7EECCD-3382-5548-BA91-DAD35A04889A}" type="datetimeFigureOut">
               <a:rPr lang="en-US" smtClean="0"/>
-              <a:t>6/24/2020</a:t>
+              <a:t>7/1/2020</a:t>
             </a:fld>
             <a:endParaRPr lang="en-US"/>
           </a:p>
@@ -1700,7 +1700,7 @@
           <a:p>
             <a:fld id="{BE7EECCD-3382-5548-BA91-DAD35A04889A}" type="datetimeFigureOut">
               <a:rPr lang="en-US" smtClean="0"/>
-              <a:t>6/24/2020</a:t>
+              <a:t>7/1/2020</a:t>
             </a:fld>
             <a:endParaRPr lang="en-US"/>
           </a:p>
@@ -2062,7 +2062,7 @@
           <a:p>
             <a:fld id="{BE7EECCD-3382-5548-BA91-DAD35A04889A}" type="datetimeFigureOut">
               <a:rPr lang="en-US" smtClean="0"/>
-              <a:t>6/24/2020</a:t>
+              <a:t>7/1/2020</a:t>
             </a:fld>
             <a:endParaRPr lang="en-US"/>
           </a:p>
@@ -2175,7 +2175,7 @@
           <a:p>
             <a:fld id="{BE7EECCD-3382-5548-BA91-DAD35A04889A}" type="datetimeFigureOut">
               <a:rPr lang="en-US" smtClean="0"/>
-              <a:t>6/24/2020</a:t>
+              <a:t>7/1/2020</a:t>
             </a:fld>
             <a:endParaRPr lang="en-US"/>
           </a:p>
@@ -2265,7 +2265,7 @@
           <a:p>
             <a:fld id="{BE7EECCD-3382-5548-BA91-DAD35A04889A}" type="datetimeFigureOut">
               <a:rPr lang="en-US" smtClean="0"/>
-              <a:t>6/24/2020</a:t>
+              <a:t>7/1/2020</a:t>
             </a:fld>
             <a:endParaRPr lang="en-US"/>
           </a:p>
@@ -2537,7 +2537,7 @@
           <a:p>
             <a:fld id="{BE7EECCD-3382-5548-BA91-DAD35A04889A}" type="datetimeFigureOut">
               <a:rPr lang="en-US" smtClean="0"/>
-              <a:t>6/24/2020</a:t>
+              <a:t>7/1/2020</a:t>
             </a:fld>
             <a:endParaRPr lang="en-US"/>
           </a:p>
@@ -2789,7 +2789,7 @@
           <a:p>
             <a:fld id="{BE7EECCD-3382-5548-BA91-DAD35A04889A}" type="datetimeFigureOut">
               <a:rPr lang="en-US" smtClean="0"/>
-              <a:t>6/24/2020</a:t>
+              <a:t>7/1/2020</a:t>
             </a:fld>
             <a:endParaRPr lang="en-US"/>
           </a:p>
@@ -3002,7 +3002,7 @@
           <a:p>
             <a:fld id="{BE7EECCD-3382-5548-BA91-DAD35A04889A}" type="datetimeFigureOut">
               <a:rPr lang="en-US" smtClean="0"/>
-              <a:t>6/24/2020</a:t>
+              <a:t>7/1/2020</a:t>
             </a:fld>
             <a:endParaRPr lang="en-US"/>
           </a:p>
@@ -4086,8 +4086,8 @@
           </a:p>
         </p:txBody>
       </p:sp>
-      <mc:AlternateContent xmlns:mc="http://schemas.openxmlformats.org/markup-compatibility/2006">
-        <mc:Choice xmlns:a14="http://schemas.microsoft.com/office/drawing/2010/main" Requires="a14">
+      <mc:AlternateContent xmlns:mc="http://schemas.openxmlformats.org/markup-compatibility/2006" xmlns:a14="http://schemas.microsoft.com/office/drawing/2010/main">
+        <mc:Choice Requires="a14">
           <p:sp>
             <p:nvSpPr>
               <p:cNvPr id="9" name="TextBox 8">
@@ -4138,42 +4138,56 @@
                 <a14:m>
                   <m:oMath xmlns:m="http://schemas.openxmlformats.org/officeDocument/2006/math">
                     <m:r>
-                      <a:rPr lang="en-US" i="1"/>
+                      <a:rPr lang="en-US" i="1">
+                        <a:latin typeface="Cambria Math" panose="02040503050406030204" pitchFamily="18" charset="0"/>
+                      </a:rPr>
                       <m:t>𝑂</m:t>
                     </m:r>
                     <m:r>
-                      <a:rPr lang="en-US" i="1"/>
+                      <a:rPr lang="en-US" i="1">
+                        <a:latin typeface="Cambria Math" panose="02040503050406030204" pitchFamily="18" charset="0"/>
+                      </a:rPr>
                       <m:t>(</m:t>
                     </m:r>
                     <m:func>
                       <m:funcPr>
                         <m:ctrlPr>
-                          <a:rPr lang="en-US" i="1"/>
+                          <a:rPr lang="en-US" i="1">
+                            <a:latin typeface="Cambria Math" panose="02040503050406030204" pitchFamily="18" charset="0"/>
+                          </a:rPr>
                         </m:ctrlPr>
                       </m:funcPr>
                       <m:fName>
                         <m:sSub>
                           <m:sSubPr>
                             <m:ctrlPr>
-                              <a:rPr lang="en-US" i="1"/>
+                              <a:rPr lang="en-US" i="1">
+                                <a:latin typeface="Cambria Math" panose="02040503050406030204" pitchFamily="18" charset="0"/>
+                              </a:rPr>
                             </m:ctrlPr>
                           </m:sSubPr>
                           <m:e>
                             <m:f>
                               <m:fPr>
                                 <m:ctrlPr>
-                                  <a:rPr lang="en-US" i="1"/>
+                                  <a:rPr lang="en-US" i="1">
+                                    <a:latin typeface="Cambria Math" panose="02040503050406030204" pitchFamily="18" charset="0"/>
+                                  </a:rPr>
                                 </m:ctrlPr>
                               </m:fPr>
                               <m:num>
                                 <m:r>
-                                  <a:rPr lang="en-GB" i="1"/>
+                                  <a:rPr lang="en-GB" i="1">
+                                    <a:latin typeface="Cambria Math" panose="02040503050406030204" pitchFamily="18" charset="0"/>
+                                  </a:rPr>
                                   <m:t>1</m:t>
                                 </m:r>
                               </m:num>
                               <m:den>
                                 <m:r>
-                                  <a:rPr lang="en-GB" i="1"/>
+                                  <a:rPr lang="en-GB" i="1">
+                                    <a:latin typeface="Cambria Math" panose="02040503050406030204" pitchFamily="18" charset="0"/>
+                                  </a:rPr>
                                   <m:t>𝑘</m:t>
                                 </m:r>
                               </m:den>
@@ -4182,13 +4196,17 @@
                               <m:rPr>
                                 <m:sty m:val="p"/>
                               </m:rPr>
-                              <a:rPr lang="en-GB"/>
+                              <a:rPr lang="en-GB">
+                                <a:latin typeface="Cambria Math" panose="02040503050406030204" pitchFamily="18" charset="0"/>
+                              </a:rPr>
                               <m:t>log</m:t>
                             </m:r>
                           </m:e>
                           <m:sub>
                             <m:r>
-                              <a:rPr lang="en-US" i="1"/>
+                              <a:rPr lang="en-US" i="1">
+                                <a:latin typeface="Cambria Math" panose="02040503050406030204" pitchFamily="18" charset="0"/>
+                              </a:rPr>
                               <m:t>𝑘</m:t>
                             </m:r>
                           </m:sub>
@@ -4196,13 +4214,17 @@
                       </m:fName>
                       <m:e>
                         <m:r>
-                          <a:rPr lang="en-US" i="1"/>
+                          <a:rPr lang="en-US" i="1">
+                            <a:latin typeface="Cambria Math" panose="02040503050406030204" pitchFamily="18" charset="0"/>
+                          </a:rPr>
                           <m:t>𝑛</m:t>
                         </m:r>
                       </m:e>
                     </m:func>
                     <m:r>
-                      <a:rPr lang="en-US" i="1"/>
+                      <a:rPr lang="en-US" i="1">
+                        <a:latin typeface="Cambria Math" panose="02040503050406030204" pitchFamily="18" charset="0"/>
+                      </a:rPr>
                       <m:t>)</m:t>
                     </m:r>
                   </m:oMath>
@@ -4237,7 +4259,7 @@
             </p:txBody>
           </p:sp>
         </mc:Choice>
-        <mc:Fallback>
+        <mc:Fallback xmlns="">
           <p:sp>
             <p:nvSpPr>
               <p:cNvPr id="9" name="TextBox 8">

--- a/Buffer Tree - Poster Presentation.pptx
+++ b/Buffer Tree - Poster Presentation.pptx
@@ -5,13 +5,14 @@
     <p:sldMasterId id="2147483660" r:id="rId1"/>
   </p:sldMasterIdLst>
   <p:notesMasterIdLst>
-    <p:notesMasterId r:id="rId6"/>
+    <p:notesMasterId r:id="rId7"/>
   </p:notesMasterIdLst>
   <p:sldIdLst>
     <p:sldId id="259" r:id="rId2"/>
     <p:sldId id="256" r:id="rId3"/>
     <p:sldId id="260" r:id="rId4"/>
     <p:sldId id="262" r:id="rId5"/>
+    <p:sldId id="263" r:id="rId6"/>
   </p:sldIdLst>
   <p:sldSz cx="8229600" cy="4572000"/>
   <p:notesSz cx="6858000" cy="9144000"/>
@@ -200,7 +201,7 @@
           <a:p>
             <a:fld id="{FB4320AF-8B4A-CC4E-84FC-EC22B6BB215E}" type="datetimeFigureOut">
               <a:rPr lang="en-US" smtClean="0"/>
-              <a:t>7/1/2020</a:t>
+              <a:t>7/2/2020</a:t>
             </a:fld>
             <a:endParaRPr lang="en-US"/>
           </a:p>
@@ -598,7 +599,7 @@
           <a:p>
             <a:fld id="{BE7EECCD-3382-5548-BA91-DAD35A04889A}" type="datetimeFigureOut">
               <a:rPr lang="en-US" smtClean="0"/>
-              <a:t>7/1/2020</a:t>
+              <a:t>7/2/2020</a:t>
             </a:fld>
             <a:endParaRPr lang="en-US"/>
           </a:p>
@@ -763,7 +764,7 @@
           <a:p>
             <a:fld id="{BE7EECCD-3382-5548-BA91-DAD35A04889A}" type="datetimeFigureOut">
               <a:rPr lang="en-US" smtClean="0"/>
-              <a:t>7/1/2020</a:t>
+              <a:t>7/2/2020</a:t>
             </a:fld>
             <a:endParaRPr lang="en-US"/>
           </a:p>
@@ -938,7 +939,7 @@
           <a:p>
             <a:fld id="{BE7EECCD-3382-5548-BA91-DAD35A04889A}" type="datetimeFigureOut">
               <a:rPr lang="en-US" smtClean="0"/>
-              <a:t>7/1/2020</a:t>
+              <a:t>7/2/2020</a:t>
             </a:fld>
             <a:endParaRPr lang="en-US"/>
           </a:p>
@@ -1234,7 +1235,7 @@
           <a:p>
             <a:fld id="{BE7EECCD-3382-5548-BA91-DAD35A04889A}" type="datetimeFigureOut">
               <a:rPr lang="en-US" smtClean="0"/>
-              <a:t>7/1/2020</a:t>
+              <a:t>7/2/2020</a:t>
             </a:fld>
             <a:endParaRPr lang="en-US"/>
           </a:p>
@@ -1473,7 +1474,7 @@
           <a:p>
             <a:fld id="{BE7EECCD-3382-5548-BA91-DAD35A04889A}" type="datetimeFigureOut">
               <a:rPr lang="en-US" smtClean="0"/>
-              <a:t>7/1/2020</a:t>
+              <a:t>7/2/2020</a:t>
             </a:fld>
             <a:endParaRPr lang="en-US"/>
           </a:p>
@@ -1700,7 +1701,7 @@
           <a:p>
             <a:fld id="{BE7EECCD-3382-5548-BA91-DAD35A04889A}" type="datetimeFigureOut">
               <a:rPr lang="en-US" smtClean="0"/>
-              <a:t>7/1/2020</a:t>
+              <a:t>7/2/2020</a:t>
             </a:fld>
             <a:endParaRPr lang="en-US"/>
           </a:p>
@@ -2062,7 +2063,7 @@
           <a:p>
             <a:fld id="{BE7EECCD-3382-5548-BA91-DAD35A04889A}" type="datetimeFigureOut">
               <a:rPr lang="en-US" smtClean="0"/>
-              <a:t>7/1/2020</a:t>
+              <a:t>7/2/2020</a:t>
             </a:fld>
             <a:endParaRPr lang="en-US"/>
           </a:p>
@@ -2175,7 +2176,7 @@
           <a:p>
             <a:fld id="{BE7EECCD-3382-5548-BA91-DAD35A04889A}" type="datetimeFigureOut">
               <a:rPr lang="en-US" smtClean="0"/>
-              <a:t>7/1/2020</a:t>
+              <a:t>7/2/2020</a:t>
             </a:fld>
             <a:endParaRPr lang="en-US"/>
           </a:p>
@@ -2265,7 +2266,7 @@
           <a:p>
             <a:fld id="{BE7EECCD-3382-5548-BA91-DAD35A04889A}" type="datetimeFigureOut">
               <a:rPr lang="en-US" smtClean="0"/>
-              <a:t>7/1/2020</a:t>
+              <a:t>7/2/2020</a:t>
             </a:fld>
             <a:endParaRPr lang="en-US"/>
           </a:p>
@@ -2537,7 +2538,7 @@
           <a:p>
             <a:fld id="{BE7EECCD-3382-5548-BA91-DAD35A04889A}" type="datetimeFigureOut">
               <a:rPr lang="en-US" smtClean="0"/>
-              <a:t>7/1/2020</a:t>
+              <a:t>7/2/2020</a:t>
             </a:fld>
             <a:endParaRPr lang="en-US"/>
           </a:p>
@@ -2789,7 +2790,7 @@
           <a:p>
             <a:fld id="{BE7EECCD-3382-5548-BA91-DAD35A04889A}" type="datetimeFigureOut">
               <a:rPr lang="en-US" smtClean="0"/>
-              <a:t>7/1/2020</a:t>
+              <a:t>7/2/2020</a:t>
             </a:fld>
             <a:endParaRPr lang="en-US"/>
           </a:p>
@@ -3002,7 +3003,7 @@
           <a:p>
             <a:fld id="{BE7EECCD-3382-5548-BA91-DAD35A04889A}" type="datetimeFigureOut">
               <a:rPr lang="en-US" smtClean="0"/>
-              <a:t>7/1/2020</a:t>
+              <a:t>7/2/2020</a:t>
             </a:fld>
             <a:endParaRPr lang="en-US"/>
           </a:p>
@@ -5540,6 +5541,111 @@
     <p:extLst>
       <p:ext uri="{BB962C8B-B14F-4D97-AF65-F5344CB8AC3E}">
         <p14:creationId xmlns:p14="http://schemas.microsoft.com/office/powerpoint/2010/main" val="3531356914"/>
+      </p:ext>
+    </p:extLst>
+  </p:cSld>
+  <p:clrMapOvr>
+    <a:masterClrMapping/>
+  </p:clrMapOvr>
+</p:sld>
+</file>
+
+<file path=ppt/slides/slide5.xml><?xml version="1.0" encoding="utf-8"?>
+<p:sld xmlns:a="http://schemas.openxmlformats.org/drawingml/2006/main" xmlns:r="http://schemas.openxmlformats.org/officeDocument/2006/relationships" xmlns:p="http://schemas.openxmlformats.org/presentationml/2006/main">
+  <p:cSld>
+    <p:spTree>
+      <p:nvGrpSpPr>
+        <p:cNvPr id="1" name=""/>
+        <p:cNvGrpSpPr/>
+        <p:nvPr/>
+      </p:nvGrpSpPr>
+      <p:grpSpPr>
+        <a:xfrm>
+          <a:off x="0" y="0"/>
+          <a:ext cx="0" cy="0"/>
+          <a:chOff x="0" y="0"/>
+          <a:chExt cx="0" cy="0"/>
+        </a:xfrm>
+      </p:grpSpPr>
+      <p:pic>
+        <p:nvPicPr>
+          <p:cNvPr id="2" name="Picture 1">
+            <a:extLst>
+              <a:ext uri="{FF2B5EF4-FFF2-40B4-BE49-F238E27FC236}">
+                <a16:creationId xmlns:a16="http://schemas.microsoft.com/office/drawing/2014/main" id="{7220ADA4-DEBF-4832-A64B-AC0C7F502A48}"/>
+              </a:ext>
+            </a:extLst>
+          </p:cNvPr>
+          <p:cNvPicPr>
+            <a:picLocks noChangeAspect="1"/>
+          </p:cNvPicPr>
+          <p:nvPr/>
+        </p:nvPicPr>
+        <p:blipFill>
+          <a:blip r:embed="rId2"/>
+          <a:stretch>
+            <a:fillRect/>
+          </a:stretch>
+        </p:blipFill>
+        <p:spPr>
+          <a:xfrm>
+            <a:off x="0" y="0"/>
+            <a:ext cx="8229600" cy="4572000"/>
+          </a:xfrm>
+          <a:prstGeom prst="rect">
+            <a:avLst/>
+          </a:prstGeom>
+          <a:ln w="28575">
+            <a:solidFill>
+              <a:schemeClr val="tx1"/>
+            </a:solidFill>
+          </a:ln>
+        </p:spPr>
+      </p:pic>
+      <p:pic>
+        <p:nvPicPr>
+          <p:cNvPr id="3" name="Picture 2">
+            <a:extLst>
+              <a:ext uri="{FF2B5EF4-FFF2-40B4-BE49-F238E27FC236}">
+                <a16:creationId xmlns:a16="http://schemas.microsoft.com/office/drawing/2014/main" id="{40E00354-AF2A-4100-B1C6-EE28DA2878FD}"/>
+              </a:ext>
+            </a:extLst>
+          </p:cNvPr>
+          <p:cNvPicPr>
+            <a:picLocks noChangeAspect="1"/>
+          </p:cNvPicPr>
+          <p:nvPr/>
+        </p:nvPicPr>
+        <p:blipFill rotWithShape="1">
+          <a:blip r:embed="rId3">
+            <a:clrChange>
+              <a:clrFrom>
+                <a:srgbClr val="FFFFFF"/>
+              </a:clrFrom>
+              <a:clrTo>
+                <a:srgbClr val="FFFFFF">
+                  <a:alpha val="0"/>
+                </a:srgbClr>
+              </a:clrTo>
+            </a:clrChange>
+          </a:blip>
+          <a:srcRect l="5674" r="5672"/>
+          <a:stretch/>
+        </p:blipFill>
+        <p:spPr>
+          <a:xfrm>
+            <a:off x="502355" y="225778"/>
+            <a:ext cx="705556" cy="795866"/>
+          </a:xfrm>
+          <a:prstGeom prst="rect">
+            <a:avLst/>
+          </a:prstGeom>
+        </p:spPr>
+      </p:pic>
+    </p:spTree>
+    <p:extLst>
+      <p:ext uri="{BB962C8B-B14F-4D97-AF65-F5344CB8AC3E}">
+        <p14:creationId xmlns:p14="http://schemas.microsoft.com/office/powerpoint/2010/main" val="3334893660"/>
       </p:ext>
     </p:extLst>
   </p:cSld>
